--- a/docs/diagrams/LocationSequenceDiagram.pptx
+++ b/docs/diagrams/LocationSequenceDiagram.pptx
@@ -10,14 +10,14 @@
   <p:sldIdLst>
     <p:sldId id="267" r:id="rId2"/>
   </p:sldIdLst>
-  <p:sldSz cx="9144000" cy="6858000" type="screen4x3"/>
+  <p:sldSz cx="13465175" cy="9601200"/>
   <p:notesSz cx="6858000" cy="9144000"/>
   <p:defaultTextStyle>
     <a:defPPr>
       <a:defRPr lang="en-US"/>
     </a:defPPr>
-    <a:lvl1pPr marL="0" algn="l" defTabSz="914400" rtl="0" eaLnBrk="1" latinLnBrk="0" hangingPunct="1">
-      <a:defRPr sz="1800" kern="1200">
+    <a:lvl1pPr marL="0" algn="l" defTabSz="1280160" rtl="0" eaLnBrk="1" latinLnBrk="0" hangingPunct="1">
+      <a:defRPr sz="2500" kern="1200">
         <a:solidFill>
           <a:schemeClr val="tx1"/>
         </a:solidFill>
@@ -26,8 +26,8 @@
         <a:cs typeface="+mn-cs"/>
       </a:defRPr>
     </a:lvl1pPr>
-    <a:lvl2pPr marL="457200" algn="l" defTabSz="914400" rtl="0" eaLnBrk="1" latinLnBrk="0" hangingPunct="1">
-      <a:defRPr sz="1800" kern="1200">
+    <a:lvl2pPr marL="640080" algn="l" defTabSz="1280160" rtl="0" eaLnBrk="1" latinLnBrk="0" hangingPunct="1">
+      <a:defRPr sz="2500" kern="1200">
         <a:solidFill>
           <a:schemeClr val="tx1"/>
         </a:solidFill>
@@ -36,8 +36,8 @@
         <a:cs typeface="+mn-cs"/>
       </a:defRPr>
     </a:lvl2pPr>
-    <a:lvl3pPr marL="914400" algn="l" defTabSz="914400" rtl="0" eaLnBrk="1" latinLnBrk="0" hangingPunct="1">
-      <a:defRPr sz="1800" kern="1200">
+    <a:lvl3pPr marL="1280160" algn="l" defTabSz="1280160" rtl="0" eaLnBrk="1" latinLnBrk="0" hangingPunct="1">
+      <a:defRPr sz="2500" kern="1200">
         <a:solidFill>
           <a:schemeClr val="tx1"/>
         </a:solidFill>
@@ -46,8 +46,8 @@
         <a:cs typeface="+mn-cs"/>
       </a:defRPr>
     </a:lvl3pPr>
-    <a:lvl4pPr marL="1371600" algn="l" defTabSz="914400" rtl="0" eaLnBrk="1" latinLnBrk="0" hangingPunct="1">
-      <a:defRPr sz="1800" kern="1200">
+    <a:lvl4pPr marL="1920240" algn="l" defTabSz="1280160" rtl="0" eaLnBrk="1" latinLnBrk="0" hangingPunct="1">
+      <a:defRPr sz="2500" kern="1200">
         <a:solidFill>
           <a:schemeClr val="tx1"/>
         </a:solidFill>
@@ -56,8 +56,8 @@
         <a:cs typeface="+mn-cs"/>
       </a:defRPr>
     </a:lvl4pPr>
-    <a:lvl5pPr marL="1828800" algn="l" defTabSz="914400" rtl="0" eaLnBrk="1" latinLnBrk="0" hangingPunct="1">
-      <a:defRPr sz="1800" kern="1200">
+    <a:lvl5pPr marL="2560320" algn="l" defTabSz="1280160" rtl="0" eaLnBrk="1" latinLnBrk="0" hangingPunct="1">
+      <a:defRPr sz="2500" kern="1200">
         <a:solidFill>
           <a:schemeClr val="tx1"/>
         </a:solidFill>
@@ -66,8 +66,8 @@
         <a:cs typeface="+mn-cs"/>
       </a:defRPr>
     </a:lvl5pPr>
-    <a:lvl6pPr marL="2286000" algn="l" defTabSz="914400" rtl="0" eaLnBrk="1" latinLnBrk="0" hangingPunct="1">
-      <a:defRPr sz="1800" kern="1200">
+    <a:lvl6pPr marL="3200400" algn="l" defTabSz="1280160" rtl="0" eaLnBrk="1" latinLnBrk="0" hangingPunct="1">
+      <a:defRPr sz="2500" kern="1200">
         <a:solidFill>
           <a:schemeClr val="tx1"/>
         </a:solidFill>
@@ -76,8 +76,8 @@
         <a:cs typeface="+mn-cs"/>
       </a:defRPr>
     </a:lvl6pPr>
-    <a:lvl7pPr marL="2743200" algn="l" defTabSz="914400" rtl="0" eaLnBrk="1" latinLnBrk="0" hangingPunct="1">
-      <a:defRPr sz="1800" kern="1200">
+    <a:lvl7pPr marL="3840480" algn="l" defTabSz="1280160" rtl="0" eaLnBrk="1" latinLnBrk="0" hangingPunct="1">
+      <a:defRPr sz="2500" kern="1200">
         <a:solidFill>
           <a:schemeClr val="tx1"/>
         </a:solidFill>
@@ -86,8 +86,8 @@
         <a:cs typeface="+mn-cs"/>
       </a:defRPr>
     </a:lvl7pPr>
-    <a:lvl8pPr marL="3200400" algn="l" defTabSz="914400" rtl="0" eaLnBrk="1" latinLnBrk="0" hangingPunct="1">
-      <a:defRPr sz="1800" kern="1200">
+    <a:lvl8pPr marL="4480560" algn="l" defTabSz="1280160" rtl="0" eaLnBrk="1" latinLnBrk="0" hangingPunct="1">
+      <a:defRPr sz="2500" kern="1200">
         <a:solidFill>
           <a:schemeClr val="tx1"/>
         </a:solidFill>
@@ -96,8 +96,8 @@
         <a:cs typeface="+mn-cs"/>
       </a:defRPr>
     </a:lvl8pPr>
-    <a:lvl9pPr marL="3657600" algn="l" defTabSz="914400" rtl="0" eaLnBrk="1" latinLnBrk="0" hangingPunct="1">
-      <a:defRPr sz="1800" kern="1200">
+    <a:lvl9pPr marL="5120640" algn="l" defTabSz="1280160" rtl="0" eaLnBrk="1" latinLnBrk="0" hangingPunct="1">
+      <a:defRPr sz="2500" kern="1200">
         <a:solidFill>
           <a:schemeClr val="tx1"/>
         </a:solidFill>
@@ -109,7 +109,7 @@
   </p:defaultTextStyle>
   <p:extLst>
     <p:ext uri="{EFAFB233-063F-42B5-8137-9DF3F51BA10A}">
-      <p15:sldGuideLst xmlns:p15="http://schemas.microsoft.com/office/powerpoint/2012/main">
+      <p15:sldGuideLst xmlns="" xmlns:p15="http://schemas.microsoft.com/office/powerpoint/2012/main">
         <p15:guide id="1" orient="horz" pos="1488">
           <p15:clr>
             <a:srgbClr val="A4A3A4"/>
@@ -212,7 +212,8 @@
           <a:p>
             <a:fld id="{F5CC4B3F-88C1-4FFA-B1B6-F41C21DC6924}" type="datetimeFigureOut">
               <a:rPr lang="en-US" smtClean="0"/>
-              <a:t>10/24/2017</a:t>
+              <a:pPr/>
+              <a:t>10/30/2017</a:t>
             </a:fld>
             <a:endParaRPr lang="en-US"/>
           </a:p>
@@ -230,8 +231,8 @@
         </p:nvSpPr>
         <p:spPr>
           <a:xfrm>
-            <a:off x="1143000" y="685800"/>
-            <a:ext cx="4572000" cy="3429000"/>
+            <a:off x="1025525" y="685800"/>
+            <a:ext cx="4806950" cy="3429000"/>
           </a:xfrm>
           <a:prstGeom prst="rect">
             <a:avLst/>
@@ -370,6 +371,7 @@
           <a:p>
             <a:fld id="{5A7AB025-77E3-4BD1-A2FD-B3183DBA47A3}" type="slidenum">
               <a:rPr lang="en-US" smtClean="0"/>
+              <a:pPr/>
               <a:t>‹#›</a:t>
             </a:fld>
             <a:endParaRPr lang="en-US"/>
@@ -379,14 +381,14 @@
     </p:spTree>
     <p:extLst>
       <p:ext uri="{BB962C8B-B14F-4D97-AF65-F5344CB8AC3E}">
-        <p14:creationId xmlns:p14="http://schemas.microsoft.com/office/powerpoint/2010/main" val="2023976206"/>
+        <p14:creationId xmlns="" xmlns:p14="http://schemas.microsoft.com/office/powerpoint/2010/main" val="2023976206"/>
       </p:ext>
     </p:extLst>
   </p:cSld>
   <p:clrMap bg1="lt1" tx1="dk1" bg2="lt2" tx2="dk2" accent1="accent1" accent2="accent2" accent3="accent3" accent4="accent4" accent5="accent5" accent6="accent6" hlink="hlink" folHlink="folHlink"/>
   <p:notesStyle>
-    <a:lvl1pPr marL="0" algn="l" defTabSz="914400" rtl="0" eaLnBrk="1" latinLnBrk="0" hangingPunct="1">
-      <a:defRPr sz="1200" kern="1200">
+    <a:lvl1pPr marL="0" algn="l" defTabSz="1280160" rtl="0" eaLnBrk="1" latinLnBrk="0" hangingPunct="1">
+      <a:defRPr sz="1700" kern="1200">
         <a:solidFill>
           <a:schemeClr val="tx1"/>
         </a:solidFill>
@@ -395,8 +397,8 @@
         <a:cs typeface="+mn-cs"/>
       </a:defRPr>
     </a:lvl1pPr>
-    <a:lvl2pPr marL="457200" algn="l" defTabSz="914400" rtl="0" eaLnBrk="1" latinLnBrk="0" hangingPunct="1">
-      <a:defRPr sz="1200" kern="1200">
+    <a:lvl2pPr marL="640080" algn="l" defTabSz="1280160" rtl="0" eaLnBrk="1" latinLnBrk="0" hangingPunct="1">
+      <a:defRPr sz="1700" kern="1200">
         <a:solidFill>
           <a:schemeClr val="tx1"/>
         </a:solidFill>
@@ -405,8 +407,8 @@
         <a:cs typeface="+mn-cs"/>
       </a:defRPr>
     </a:lvl2pPr>
-    <a:lvl3pPr marL="914400" algn="l" defTabSz="914400" rtl="0" eaLnBrk="1" latinLnBrk="0" hangingPunct="1">
-      <a:defRPr sz="1200" kern="1200">
+    <a:lvl3pPr marL="1280160" algn="l" defTabSz="1280160" rtl="0" eaLnBrk="1" latinLnBrk="0" hangingPunct="1">
+      <a:defRPr sz="1700" kern="1200">
         <a:solidFill>
           <a:schemeClr val="tx1"/>
         </a:solidFill>
@@ -415,8 +417,8 @@
         <a:cs typeface="+mn-cs"/>
       </a:defRPr>
     </a:lvl3pPr>
-    <a:lvl4pPr marL="1371600" algn="l" defTabSz="914400" rtl="0" eaLnBrk="1" latinLnBrk="0" hangingPunct="1">
-      <a:defRPr sz="1200" kern="1200">
+    <a:lvl4pPr marL="1920240" algn="l" defTabSz="1280160" rtl="0" eaLnBrk="1" latinLnBrk="0" hangingPunct="1">
+      <a:defRPr sz="1700" kern="1200">
         <a:solidFill>
           <a:schemeClr val="tx1"/>
         </a:solidFill>
@@ -425,8 +427,8 @@
         <a:cs typeface="+mn-cs"/>
       </a:defRPr>
     </a:lvl4pPr>
-    <a:lvl5pPr marL="1828800" algn="l" defTabSz="914400" rtl="0" eaLnBrk="1" latinLnBrk="0" hangingPunct="1">
-      <a:defRPr sz="1200" kern="1200">
+    <a:lvl5pPr marL="2560320" algn="l" defTabSz="1280160" rtl="0" eaLnBrk="1" latinLnBrk="0" hangingPunct="1">
+      <a:defRPr sz="1700" kern="1200">
         <a:solidFill>
           <a:schemeClr val="tx1"/>
         </a:solidFill>
@@ -435,8 +437,8 @@
         <a:cs typeface="+mn-cs"/>
       </a:defRPr>
     </a:lvl5pPr>
-    <a:lvl6pPr marL="2286000" algn="l" defTabSz="914400" rtl="0" eaLnBrk="1" latinLnBrk="0" hangingPunct="1">
-      <a:defRPr sz="1200" kern="1200">
+    <a:lvl6pPr marL="3200400" algn="l" defTabSz="1280160" rtl="0" eaLnBrk="1" latinLnBrk="0" hangingPunct="1">
+      <a:defRPr sz="1700" kern="1200">
         <a:solidFill>
           <a:schemeClr val="tx1"/>
         </a:solidFill>
@@ -445,8 +447,8 @@
         <a:cs typeface="+mn-cs"/>
       </a:defRPr>
     </a:lvl6pPr>
-    <a:lvl7pPr marL="2743200" algn="l" defTabSz="914400" rtl="0" eaLnBrk="1" latinLnBrk="0" hangingPunct="1">
-      <a:defRPr sz="1200" kern="1200">
+    <a:lvl7pPr marL="3840480" algn="l" defTabSz="1280160" rtl="0" eaLnBrk="1" latinLnBrk="0" hangingPunct="1">
+      <a:defRPr sz="1700" kern="1200">
         <a:solidFill>
           <a:schemeClr val="tx1"/>
         </a:solidFill>
@@ -455,8 +457,8 @@
         <a:cs typeface="+mn-cs"/>
       </a:defRPr>
     </a:lvl7pPr>
-    <a:lvl8pPr marL="3200400" algn="l" defTabSz="914400" rtl="0" eaLnBrk="1" latinLnBrk="0" hangingPunct="1">
-      <a:defRPr sz="1200" kern="1200">
+    <a:lvl8pPr marL="4480560" algn="l" defTabSz="1280160" rtl="0" eaLnBrk="1" latinLnBrk="0" hangingPunct="1">
+      <a:defRPr sz="1700" kern="1200">
         <a:solidFill>
           <a:schemeClr val="tx1"/>
         </a:solidFill>
@@ -465,8 +467,8 @@
         <a:cs typeface="+mn-cs"/>
       </a:defRPr>
     </a:lvl8pPr>
-    <a:lvl9pPr marL="3657600" algn="l" defTabSz="914400" rtl="0" eaLnBrk="1" latinLnBrk="0" hangingPunct="1">
-      <a:defRPr sz="1200" kern="1200">
+    <a:lvl9pPr marL="5120640" algn="l" defTabSz="1280160" rtl="0" eaLnBrk="1" latinLnBrk="0" hangingPunct="1">
+      <a:defRPr sz="1700" kern="1200">
         <a:solidFill>
           <a:schemeClr val="tx1"/>
         </a:solidFill>
@@ -508,8 +510,8 @@
         </p:nvSpPr>
         <p:spPr>
           <a:xfrm>
-            <a:off x="685800" y="2130425"/>
-            <a:ext cx="7772400" cy="1470025"/>
+            <a:off x="1009889" y="2982599"/>
+            <a:ext cx="11445399" cy="2058035"/>
           </a:xfrm>
         </p:spPr>
         <p:txBody>
@@ -535,8 +537,8 @@
         </p:nvSpPr>
         <p:spPr>
           <a:xfrm>
-            <a:off x="1371600" y="3886200"/>
-            <a:ext cx="6400800" cy="1752600"/>
+            <a:off x="2019777" y="5440680"/>
+            <a:ext cx="9425623" cy="2453640"/>
           </a:xfrm>
         </p:spPr>
         <p:txBody>
@@ -552,7 +554,7 @@
                 </a:solidFill>
               </a:defRPr>
             </a:lvl1pPr>
-            <a:lvl2pPr marL="457200" indent="0" algn="ctr">
+            <a:lvl2pPr marL="640080" indent="0" algn="ctr">
               <a:buNone/>
               <a:defRPr>
                 <a:solidFill>
@@ -562,7 +564,7 @@
                 </a:solidFill>
               </a:defRPr>
             </a:lvl2pPr>
-            <a:lvl3pPr marL="914400" indent="0" algn="ctr">
+            <a:lvl3pPr marL="1280160" indent="0" algn="ctr">
               <a:buNone/>
               <a:defRPr>
                 <a:solidFill>
@@ -572,7 +574,7 @@
                 </a:solidFill>
               </a:defRPr>
             </a:lvl3pPr>
-            <a:lvl4pPr marL="1371600" indent="0" algn="ctr">
+            <a:lvl4pPr marL="1920240" indent="0" algn="ctr">
               <a:buNone/>
               <a:defRPr>
                 <a:solidFill>
@@ -582,7 +584,7 @@
                 </a:solidFill>
               </a:defRPr>
             </a:lvl4pPr>
-            <a:lvl5pPr marL="1828800" indent="0" algn="ctr">
+            <a:lvl5pPr marL="2560320" indent="0" algn="ctr">
               <a:buNone/>
               <a:defRPr>
                 <a:solidFill>
@@ -592,7 +594,7 @@
                 </a:solidFill>
               </a:defRPr>
             </a:lvl5pPr>
-            <a:lvl6pPr marL="2286000" indent="0" algn="ctr">
+            <a:lvl6pPr marL="3200400" indent="0" algn="ctr">
               <a:buNone/>
               <a:defRPr>
                 <a:solidFill>
@@ -602,7 +604,7 @@
                 </a:solidFill>
               </a:defRPr>
             </a:lvl6pPr>
-            <a:lvl7pPr marL="2743200" indent="0" algn="ctr">
+            <a:lvl7pPr marL="3840480" indent="0" algn="ctr">
               <a:buNone/>
               <a:defRPr>
                 <a:solidFill>
@@ -612,7 +614,7 @@
                 </a:solidFill>
               </a:defRPr>
             </a:lvl7pPr>
-            <a:lvl8pPr marL="3200400" indent="0" algn="ctr">
+            <a:lvl8pPr marL="4480560" indent="0" algn="ctr">
               <a:buNone/>
               <a:defRPr>
                 <a:solidFill>
@@ -622,7 +624,7 @@
                 </a:solidFill>
               </a:defRPr>
             </a:lvl8pPr>
-            <a:lvl9pPr marL="3657600" indent="0" algn="ctr">
+            <a:lvl9pPr marL="5120640" indent="0" algn="ctr">
               <a:buNone/>
               <a:defRPr>
                 <a:solidFill>
@@ -658,7 +660,8 @@
           <a:p>
             <a:fld id="{78C97017-6FC3-485B-9764-EAC9E56C1D49}" type="datetimeFigureOut">
               <a:rPr lang="en-US" smtClean="0"/>
-              <a:t>10/24/2017</a:t>
+              <a:pPr/>
+              <a:t>10/30/2017</a:t>
             </a:fld>
             <a:endParaRPr lang="en-US"/>
           </a:p>
@@ -700,6 +703,7 @@
           <a:p>
             <a:fld id="{FB34683C-161B-4520-BF45-B179E228CF2A}" type="slidenum">
               <a:rPr lang="en-US" smtClean="0"/>
+              <a:pPr/>
               <a:t>‹#›</a:t>
             </a:fld>
             <a:endParaRPr lang="en-US"/>
@@ -709,7 +713,7 @@
     </p:spTree>
     <p:extLst>
       <p:ext uri="{BB962C8B-B14F-4D97-AF65-F5344CB8AC3E}">
-        <p14:creationId xmlns:p14="http://schemas.microsoft.com/office/powerpoint/2010/main" val="3246593157"/>
+        <p14:creationId xmlns="" xmlns:p14="http://schemas.microsoft.com/office/powerpoint/2010/main" val="3246593157"/>
       </p:ext>
     </p:extLst>
   </p:cSld>
@@ -826,7 +830,8 @@
           <a:p>
             <a:fld id="{78C97017-6FC3-485B-9764-EAC9E56C1D49}" type="datetimeFigureOut">
               <a:rPr lang="en-US" smtClean="0"/>
-              <a:t>10/24/2017</a:t>
+              <a:pPr/>
+              <a:t>10/30/2017</a:t>
             </a:fld>
             <a:endParaRPr lang="en-US"/>
           </a:p>
@@ -868,6 +873,7 @@
           <a:p>
             <a:fld id="{FB34683C-161B-4520-BF45-B179E228CF2A}" type="slidenum">
               <a:rPr lang="en-US" smtClean="0"/>
+              <a:pPr/>
               <a:t>‹#›</a:t>
             </a:fld>
             <a:endParaRPr lang="en-US"/>
@@ -877,7 +883,7 @@
     </p:spTree>
     <p:extLst>
       <p:ext uri="{BB962C8B-B14F-4D97-AF65-F5344CB8AC3E}">
-        <p14:creationId xmlns:p14="http://schemas.microsoft.com/office/powerpoint/2010/main" val="2707025021"/>
+        <p14:creationId xmlns="" xmlns:p14="http://schemas.microsoft.com/office/powerpoint/2010/main" val="2707025021"/>
       </p:ext>
     </p:extLst>
   </p:cSld>
@@ -916,8 +922,8 @@
         </p:nvSpPr>
         <p:spPr>
           <a:xfrm>
-            <a:off x="6629400" y="274638"/>
-            <a:ext cx="2057400" cy="5851525"/>
+            <a:off x="9762253" y="384497"/>
+            <a:ext cx="3029664" cy="8192135"/>
           </a:xfrm>
         </p:spPr>
         <p:txBody>
@@ -943,8 +949,8 @@
         </p:nvSpPr>
         <p:spPr>
           <a:xfrm>
-            <a:off x="457200" y="274638"/>
-            <a:ext cx="6019800" cy="5851525"/>
+            <a:off x="673259" y="384497"/>
+            <a:ext cx="8864574" cy="8192135"/>
           </a:xfrm>
         </p:spPr>
         <p:txBody>
@@ -1004,7 +1010,8 @@
           <a:p>
             <a:fld id="{78C97017-6FC3-485B-9764-EAC9E56C1D49}" type="datetimeFigureOut">
               <a:rPr lang="en-US" smtClean="0"/>
-              <a:t>10/24/2017</a:t>
+              <a:pPr/>
+              <a:t>10/30/2017</a:t>
             </a:fld>
             <a:endParaRPr lang="en-US"/>
           </a:p>
@@ -1046,6 +1053,7 @@
           <a:p>
             <a:fld id="{FB34683C-161B-4520-BF45-B179E228CF2A}" type="slidenum">
               <a:rPr lang="en-US" smtClean="0"/>
+              <a:pPr/>
               <a:t>‹#›</a:t>
             </a:fld>
             <a:endParaRPr lang="en-US"/>
@@ -1055,7 +1063,7 @@
     </p:spTree>
     <p:extLst>
       <p:ext uri="{BB962C8B-B14F-4D97-AF65-F5344CB8AC3E}">
-        <p14:creationId xmlns:p14="http://schemas.microsoft.com/office/powerpoint/2010/main" val="568378986"/>
+        <p14:creationId xmlns="" xmlns:p14="http://schemas.microsoft.com/office/powerpoint/2010/main" val="568378986"/>
       </p:ext>
     </p:extLst>
   </p:cSld>
@@ -1172,7 +1180,8 @@
           <a:p>
             <a:fld id="{78C97017-6FC3-485B-9764-EAC9E56C1D49}" type="datetimeFigureOut">
               <a:rPr lang="en-US" smtClean="0"/>
-              <a:t>10/24/2017</a:t>
+              <a:pPr/>
+              <a:t>10/30/2017</a:t>
             </a:fld>
             <a:endParaRPr lang="en-US"/>
           </a:p>
@@ -1214,6 +1223,7 @@
           <a:p>
             <a:fld id="{FB34683C-161B-4520-BF45-B179E228CF2A}" type="slidenum">
               <a:rPr lang="en-US" smtClean="0"/>
+              <a:pPr/>
               <a:t>‹#›</a:t>
             </a:fld>
             <a:endParaRPr lang="en-US"/>
@@ -1223,7 +1233,7 @@
     </p:spTree>
     <p:extLst>
       <p:ext uri="{BB962C8B-B14F-4D97-AF65-F5344CB8AC3E}">
-        <p14:creationId xmlns:p14="http://schemas.microsoft.com/office/powerpoint/2010/main" val="266658052"/>
+        <p14:creationId xmlns="" xmlns:p14="http://schemas.microsoft.com/office/powerpoint/2010/main" val="266658052"/>
       </p:ext>
     </p:extLst>
   </p:cSld>
@@ -1262,15 +1272,15 @@
         </p:nvSpPr>
         <p:spPr>
           <a:xfrm>
-            <a:off x="722313" y="4406900"/>
-            <a:ext cx="7772400" cy="1362075"/>
+            <a:off x="1063657" y="6169664"/>
+            <a:ext cx="11445399" cy="1906905"/>
           </a:xfrm>
         </p:spPr>
         <p:txBody>
           <a:bodyPr anchor="t"/>
           <a:lstStyle>
             <a:lvl1pPr algn="l">
-              <a:defRPr sz="4000" b="1" cap="all"/>
+              <a:defRPr sz="5600" b="1" cap="all"/>
             </a:lvl1pPr>
           </a:lstStyle>
           <a:p>
@@ -1293,14 +1303,44 @@
         </p:nvSpPr>
         <p:spPr>
           <a:xfrm>
-            <a:off x="722313" y="2906713"/>
-            <a:ext cx="7772400" cy="1500187"/>
+            <a:off x="1063657" y="4069399"/>
+            <a:ext cx="11445399" cy="2100262"/>
           </a:xfrm>
         </p:spPr>
         <p:txBody>
           <a:bodyPr anchor="b"/>
           <a:lstStyle>
             <a:lvl1pPr marL="0" indent="0">
+              <a:buNone/>
+              <a:defRPr sz="2800">
+                <a:solidFill>
+                  <a:schemeClr val="tx1">
+                    <a:tint val="75000"/>
+                  </a:schemeClr>
+                </a:solidFill>
+              </a:defRPr>
+            </a:lvl1pPr>
+            <a:lvl2pPr marL="640080" indent="0">
+              <a:buNone/>
+              <a:defRPr sz="2500">
+                <a:solidFill>
+                  <a:schemeClr val="tx1">
+                    <a:tint val="75000"/>
+                  </a:schemeClr>
+                </a:solidFill>
+              </a:defRPr>
+            </a:lvl2pPr>
+            <a:lvl3pPr marL="1280160" indent="0">
+              <a:buNone/>
+              <a:defRPr sz="2200">
+                <a:solidFill>
+                  <a:schemeClr val="tx1">
+                    <a:tint val="75000"/>
+                  </a:schemeClr>
+                </a:solidFill>
+              </a:defRPr>
+            </a:lvl3pPr>
+            <a:lvl4pPr marL="1920240" indent="0">
               <a:buNone/>
               <a:defRPr sz="2000">
                 <a:solidFill>
@@ -1309,40 +1349,10 @@
                   </a:schemeClr>
                 </a:solidFill>
               </a:defRPr>
-            </a:lvl1pPr>
-            <a:lvl2pPr marL="457200" indent="0">
-              <a:buNone/>
-              <a:defRPr sz="1800">
-                <a:solidFill>
-                  <a:schemeClr val="tx1">
-                    <a:tint val="75000"/>
-                  </a:schemeClr>
-                </a:solidFill>
-              </a:defRPr>
-            </a:lvl2pPr>
-            <a:lvl3pPr marL="914400" indent="0">
-              <a:buNone/>
-              <a:defRPr sz="1600">
-                <a:solidFill>
-                  <a:schemeClr val="tx1">
-                    <a:tint val="75000"/>
-                  </a:schemeClr>
-                </a:solidFill>
-              </a:defRPr>
-            </a:lvl3pPr>
-            <a:lvl4pPr marL="1371600" indent="0">
-              <a:buNone/>
-              <a:defRPr sz="1400">
-                <a:solidFill>
-                  <a:schemeClr val="tx1">
-                    <a:tint val="75000"/>
-                  </a:schemeClr>
-                </a:solidFill>
-              </a:defRPr>
             </a:lvl4pPr>
-            <a:lvl5pPr marL="1828800" indent="0">
-              <a:buNone/>
-              <a:defRPr sz="1400">
+            <a:lvl5pPr marL="2560320" indent="0">
+              <a:buNone/>
+              <a:defRPr sz="2000">
                 <a:solidFill>
                   <a:schemeClr val="tx1">
                     <a:tint val="75000"/>
@@ -1350,9 +1360,9 @@
                 </a:solidFill>
               </a:defRPr>
             </a:lvl5pPr>
-            <a:lvl6pPr marL="2286000" indent="0">
-              <a:buNone/>
-              <a:defRPr sz="1400">
+            <a:lvl6pPr marL="3200400" indent="0">
+              <a:buNone/>
+              <a:defRPr sz="2000">
                 <a:solidFill>
                   <a:schemeClr val="tx1">
                     <a:tint val="75000"/>
@@ -1360,9 +1370,9 @@
                 </a:solidFill>
               </a:defRPr>
             </a:lvl6pPr>
-            <a:lvl7pPr marL="2743200" indent="0">
-              <a:buNone/>
-              <a:defRPr sz="1400">
+            <a:lvl7pPr marL="3840480" indent="0">
+              <a:buNone/>
+              <a:defRPr sz="2000">
                 <a:solidFill>
                   <a:schemeClr val="tx1">
                     <a:tint val="75000"/>
@@ -1370,9 +1380,9 @@
                 </a:solidFill>
               </a:defRPr>
             </a:lvl7pPr>
-            <a:lvl8pPr marL="3200400" indent="0">
-              <a:buNone/>
-              <a:defRPr sz="1400">
+            <a:lvl8pPr marL="4480560" indent="0">
+              <a:buNone/>
+              <a:defRPr sz="2000">
                 <a:solidFill>
                   <a:schemeClr val="tx1">
                     <a:tint val="75000"/>
@@ -1380,9 +1390,9 @@
                 </a:solidFill>
               </a:defRPr>
             </a:lvl8pPr>
-            <a:lvl9pPr marL="3657600" indent="0">
-              <a:buNone/>
-              <a:defRPr sz="1400">
+            <a:lvl9pPr marL="5120640" indent="0">
+              <a:buNone/>
+              <a:defRPr sz="2000">
                 <a:solidFill>
                   <a:schemeClr val="tx1">
                     <a:tint val="75000"/>
@@ -1417,7 +1427,8 @@
           <a:p>
             <a:fld id="{78C97017-6FC3-485B-9764-EAC9E56C1D49}" type="datetimeFigureOut">
               <a:rPr lang="en-US" smtClean="0"/>
-              <a:t>10/24/2017</a:t>
+              <a:pPr/>
+              <a:t>10/30/2017</a:t>
             </a:fld>
             <a:endParaRPr lang="en-US"/>
           </a:p>
@@ -1459,6 +1470,7 @@
           <a:p>
             <a:fld id="{FB34683C-161B-4520-BF45-B179E228CF2A}" type="slidenum">
               <a:rPr lang="en-US" smtClean="0"/>
+              <a:pPr/>
               <a:t>‹#›</a:t>
             </a:fld>
             <a:endParaRPr lang="en-US"/>
@@ -1468,7 +1480,7 @@
     </p:spTree>
     <p:extLst>
       <p:ext uri="{BB962C8B-B14F-4D97-AF65-F5344CB8AC3E}">
-        <p14:creationId xmlns:p14="http://schemas.microsoft.com/office/powerpoint/2010/main" val="474686344"/>
+        <p14:creationId xmlns="" xmlns:p14="http://schemas.microsoft.com/office/powerpoint/2010/main" val="474686344"/>
       </p:ext>
     </p:extLst>
   </p:cSld>
@@ -1529,39 +1541,39 @@
         </p:nvSpPr>
         <p:spPr>
           <a:xfrm>
-            <a:off x="457200" y="1600200"/>
-            <a:ext cx="4038600" cy="4525963"/>
+            <a:off x="673260" y="2240281"/>
+            <a:ext cx="5947119" cy="6336348"/>
           </a:xfrm>
         </p:spPr>
         <p:txBody>
           <a:bodyPr/>
           <a:lstStyle>
             <a:lvl1pPr>
-              <a:defRPr sz="2800"/>
+              <a:defRPr sz="3900"/>
             </a:lvl1pPr>
             <a:lvl2pPr>
-              <a:defRPr sz="2400"/>
+              <a:defRPr sz="3400"/>
             </a:lvl2pPr>
             <a:lvl3pPr>
-              <a:defRPr sz="2000"/>
+              <a:defRPr sz="2800"/>
             </a:lvl3pPr>
             <a:lvl4pPr>
-              <a:defRPr sz="1800"/>
+              <a:defRPr sz="2500"/>
             </a:lvl4pPr>
             <a:lvl5pPr>
-              <a:defRPr sz="1800"/>
+              <a:defRPr sz="2500"/>
             </a:lvl5pPr>
             <a:lvl6pPr>
-              <a:defRPr sz="1800"/>
+              <a:defRPr sz="2500"/>
             </a:lvl6pPr>
             <a:lvl7pPr>
-              <a:defRPr sz="1800"/>
+              <a:defRPr sz="2500"/>
             </a:lvl7pPr>
             <a:lvl8pPr>
-              <a:defRPr sz="1800"/>
+              <a:defRPr sz="2500"/>
             </a:lvl8pPr>
             <a:lvl9pPr>
-              <a:defRPr sz="1800"/>
+              <a:defRPr sz="2500"/>
             </a:lvl9pPr>
           </a:lstStyle>
           <a:p>
@@ -1613,39 +1625,39 @@
         </p:nvSpPr>
         <p:spPr>
           <a:xfrm>
-            <a:off x="4648200" y="1600200"/>
-            <a:ext cx="4038600" cy="4525963"/>
+            <a:off x="6844798" y="2240281"/>
+            <a:ext cx="5947119" cy="6336348"/>
           </a:xfrm>
         </p:spPr>
         <p:txBody>
           <a:bodyPr/>
           <a:lstStyle>
             <a:lvl1pPr>
-              <a:defRPr sz="2800"/>
+              <a:defRPr sz="3900"/>
             </a:lvl1pPr>
             <a:lvl2pPr>
-              <a:defRPr sz="2400"/>
+              <a:defRPr sz="3400"/>
             </a:lvl2pPr>
             <a:lvl3pPr>
-              <a:defRPr sz="2000"/>
+              <a:defRPr sz="2800"/>
             </a:lvl3pPr>
             <a:lvl4pPr>
-              <a:defRPr sz="1800"/>
+              <a:defRPr sz="2500"/>
             </a:lvl4pPr>
             <a:lvl5pPr>
-              <a:defRPr sz="1800"/>
+              <a:defRPr sz="2500"/>
             </a:lvl5pPr>
             <a:lvl6pPr>
-              <a:defRPr sz="1800"/>
+              <a:defRPr sz="2500"/>
             </a:lvl6pPr>
             <a:lvl7pPr>
-              <a:defRPr sz="1800"/>
+              <a:defRPr sz="2500"/>
             </a:lvl7pPr>
             <a:lvl8pPr>
-              <a:defRPr sz="1800"/>
+              <a:defRPr sz="2500"/>
             </a:lvl8pPr>
             <a:lvl9pPr>
-              <a:defRPr sz="1800"/>
+              <a:defRPr sz="2500"/>
             </a:lvl9pPr>
           </a:lstStyle>
           <a:p>
@@ -1702,7 +1714,8 @@
           <a:p>
             <a:fld id="{78C97017-6FC3-485B-9764-EAC9E56C1D49}" type="datetimeFigureOut">
               <a:rPr lang="en-US" smtClean="0"/>
-              <a:t>10/24/2017</a:t>
+              <a:pPr/>
+              <a:t>10/30/2017</a:t>
             </a:fld>
             <a:endParaRPr lang="en-US"/>
           </a:p>
@@ -1744,6 +1757,7 @@
           <a:p>
             <a:fld id="{FB34683C-161B-4520-BF45-B179E228CF2A}" type="slidenum">
               <a:rPr lang="en-US" smtClean="0"/>
+              <a:pPr/>
               <a:t>‹#›</a:t>
             </a:fld>
             <a:endParaRPr lang="en-US"/>
@@ -1753,7 +1767,7 @@
     </p:spTree>
     <p:extLst>
       <p:ext uri="{BB962C8B-B14F-4D97-AF65-F5344CB8AC3E}">
-        <p14:creationId xmlns:p14="http://schemas.microsoft.com/office/powerpoint/2010/main" val="562293251"/>
+        <p14:creationId xmlns="" xmlns:p14="http://schemas.microsoft.com/office/powerpoint/2010/main" val="562293251"/>
       </p:ext>
     </p:extLst>
   </p:cSld>
@@ -1818,8 +1832,8 @@
         </p:nvSpPr>
         <p:spPr>
           <a:xfrm>
-            <a:off x="457200" y="1535113"/>
-            <a:ext cx="4040188" cy="639762"/>
+            <a:off x="673260" y="2149161"/>
+            <a:ext cx="5949457" cy="895667"/>
           </a:xfrm>
         </p:spPr>
         <p:txBody>
@@ -1827,39 +1841,39 @@
           <a:lstStyle>
             <a:lvl1pPr marL="0" indent="0">
               <a:buNone/>
-              <a:defRPr sz="2400" b="1"/>
+              <a:defRPr sz="3400" b="1"/>
             </a:lvl1pPr>
-            <a:lvl2pPr marL="457200" indent="0">
-              <a:buNone/>
-              <a:defRPr sz="2000" b="1"/>
+            <a:lvl2pPr marL="640080" indent="0">
+              <a:buNone/>
+              <a:defRPr sz="2800" b="1"/>
             </a:lvl2pPr>
-            <a:lvl3pPr marL="914400" indent="0">
-              <a:buNone/>
-              <a:defRPr sz="1800" b="1"/>
+            <a:lvl3pPr marL="1280160" indent="0">
+              <a:buNone/>
+              <a:defRPr sz="2500" b="1"/>
             </a:lvl3pPr>
-            <a:lvl4pPr marL="1371600" indent="0">
-              <a:buNone/>
-              <a:defRPr sz="1600" b="1"/>
+            <a:lvl4pPr marL="1920240" indent="0">
+              <a:buNone/>
+              <a:defRPr sz="2200" b="1"/>
             </a:lvl4pPr>
-            <a:lvl5pPr marL="1828800" indent="0">
-              <a:buNone/>
-              <a:defRPr sz="1600" b="1"/>
+            <a:lvl5pPr marL="2560320" indent="0">
+              <a:buNone/>
+              <a:defRPr sz="2200" b="1"/>
             </a:lvl5pPr>
-            <a:lvl6pPr marL="2286000" indent="0">
-              <a:buNone/>
-              <a:defRPr sz="1600" b="1"/>
+            <a:lvl6pPr marL="3200400" indent="0">
+              <a:buNone/>
+              <a:defRPr sz="2200" b="1"/>
             </a:lvl6pPr>
-            <a:lvl7pPr marL="2743200" indent="0">
-              <a:buNone/>
-              <a:defRPr sz="1600" b="1"/>
+            <a:lvl7pPr marL="3840480" indent="0">
+              <a:buNone/>
+              <a:defRPr sz="2200" b="1"/>
             </a:lvl7pPr>
-            <a:lvl8pPr marL="3200400" indent="0">
-              <a:buNone/>
-              <a:defRPr sz="1600" b="1"/>
+            <a:lvl8pPr marL="4480560" indent="0">
+              <a:buNone/>
+              <a:defRPr sz="2200" b="1"/>
             </a:lvl8pPr>
-            <a:lvl9pPr marL="3657600" indent="0">
-              <a:buNone/>
-              <a:defRPr sz="1600" b="1"/>
+            <a:lvl9pPr marL="5120640" indent="0">
+              <a:buNone/>
+              <a:defRPr sz="2200" b="1"/>
             </a:lvl9pPr>
           </a:lstStyle>
           <a:p>
@@ -1883,39 +1897,39 @@
         </p:nvSpPr>
         <p:spPr>
           <a:xfrm>
-            <a:off x="457200" y="2174875"/>
-            <a:ext cx="4040188" cy="3951288"/>
+            <a:off x="673260" y="3044826"/>
+            <a:ext cx="5949457" cy="5531803"/>
           </a:xfrm>
         </p:spPr>
         <p:txBody>
           <a:bodyPr/>
           <a:lstStyle>
             <a:lvl1pPr>
-              <a:defRPr sz="2400"/>
+              <a:defRPr sz="3400"/>
             </a:lvl1pPr>
             <a:lvl2pPr>
-              <a:defRPr sz="2000"/>
+              <a:defRPr sz="2800"/>
             </a:lvl2pPr>
             <a:lvl3pPr>
-              <a:defRPr sz="1800"/>
+              <a:defRPr sz="2500"/>
             </a:lvl3pPr>
             <a:lvl4pPr>
-              <a:defRPr sz="1600"/>
+              <a:defRPr sz="2200"/>
             </a:lvl4pPr>
             <a:lvl5pPr>
-              <a:defRPr sz="1600"/>
+              <a:defRPr sz="2200"/>
             </a:lvl5pPr>
             <a:lvl6pPr>
-              <a:defRPr sz="1600"/>
+              <a:defRPr sz="2200"/>
             </a:lvl6pPr>
             <a:lvl7pPr>
-              <a:defRPr sz="1600"/>
+              <a:defRPr sz="2200"/>
             </a:lvl7pPr>
             <a:lvl8pPr>
-              <a:defRPr sz="1600"/>
+              <a:defRPr sz="2200"/>
             </a:lvl8pPr>
             <a:lvl9pPr>
-              <a:defRPr sz="1600"/>
+              <a:defRPr sz="2200"/>
             </a:lvl9pPr>
           </a:lstStyle>
           <a:p>
@@ -1967,8 +1981,8 @@
         </p:nvSpPr>
         <p:spPr>
           <a:xfrm>
-            <a:off x="4645025" y="1535113"/>
-            <a:ext cx="4041775" cy="639762"/>
+            <a:off x="6840124" y="2149161"/>
+            <a:ext cx="5951794" cy="895667"/>
           </a:xfrm>
         </p:spPr>
         <p:txBody>
@@ -1976,39 +1990,39 @@
           <a:lstStyle>
             <a:lvl1pPr marL="0" indent="0">
               <a:buNone/>
-              <a:defRPr sz="2400" b="1"/>
+              <a:defRPr sz="3400" b="1"/>
             </a:lvl1pPr>
-            <a:lvl2pPr marL="457200" indent="0">
-              <a:buNone/>
-              <a:defRPr sz="2000" b="1"/>
+            <a:lvl2pPr marL="640080" indent="0">
+              <a:buNone/>
+              <a:defRPr sz="2800" b="1"/>
             </a:lvl2pPr>
-            <a:lvl3pPr marL="914400" indent="0">
-              <a:buNone/>
-              <a:defRPr sz="1800" b="1"/>
+            <a:lvl3pPr marL="1280160" indent="0">
+              <a:buNone/>
+              <a:defRPr sz="2500" b="1"/>
             </a:lvl3pPr>
-            <a:lvl4pPr marL="1371600" indent="0">
-              <a:buNone/>
-              <a:defRPr sz="1600" b="1"/>
+            <a:lvl4pPr marL="1920240" indent="0">
+              <a:buNone/>
+              <a:defRPr sz="2200" b="1"/>
             </a:lvl4pPr>
-            <a:lvl5pPr marL="1828800" indent="0">
-              <a:buNone/>
-              <a:defRPr sz="1600" b="1"/>
+            <a:lvl5pPr marL="2560320" indent="0">
+              <a:buNone/>
+              <a:defRPr sz="2200" b="1"/>
             </a:lvl5pPr>
-            <a:lvl6pPr marL="2286000" indent="0">
-              <a:buNone/>
-              <a:defRPr sz="1600" b="1"/>
+            <a:lvl6pPr marL="3200400" indent="0">
+              <a:buNone/>
+              <a:defRPr sz="2200" b="1"/>
             </a:lvl6pPr>
-            <a:lvl7pPr marL="2743200" indent="0">
-              <a:buNone/>
-              <a:defRPr sz="1600" b="1"/>
+            <a:lvl7pPr marL="3840480" indent="0">
+              <a:buNone/>
+              <a:defRPr sz="2200" b="1"/>
             </a:lvl7pPr>
-            <a:lvl8pPr marL="3200400" indent="0">
-              <a:buNone/>
-              <a:defRPr sz="1600" b="1"/>
+            <a:lvl8pPr marL="4480560" indent="0">
+              <a:buNone/>
+              <a:defRPr sz="2200" b="1"/>
             </a:lvl8pPr>
-            <a:lvl9pPr marL="3657600" indent="0">
-              <a:buNone/>
-              <a:defRPr sz="1600" b="1"/>
+            <a:lvl9pPr marL="5120640" indent="0">
+              <a:buNone/>
+              <a:defRPr sz="2200" b="1"/>
             </a:lvl9pPr>
           </a:lstStyle>
           <a:p>
@@ -2032,39 +2046,39 @@
         </p:nvSpPr>
         <p:spPr>
           <a:xfrm>
-            <a:off x="4645025" y="2174875"/>
-            <a:ext cx="4041775" cy="3951288"/>
+            <a:off x="6840124" y="3044826"/>
+            <a:ext cx="5951794" cy="5531803"/>
           </a:xfrm>
         </p:spPr>
         <p:txBody>
           <a:bodyPr/>
           <a:lstStyle>
             <a:lvl1pPr>
-              <a:defRPr sz="2400"/>
+              <a:defRPr sz="3400"/>
             </a:lvl1pPr>
             <a:lvl2pPr>
-              <a:defRPr sz="2000"/>
+              <a:defRPr sz="2800"/>
             </a:lvl2pPr>
             <a:lvl3pPr>
-              <a:defRPr sz="1800"/>
+              <a:defRPr sz="2500"/>
             </a:lvl3pPr>
             <a:lvl4pPr>
-              <a:defRPr sz="1600"/>
+              <a:defRPr sz="2200"/>
             </a:lvl4pPr>
             <a:lvl5pPr>
-              <a:defRPr sz="1600"/>
+              <a:defRPr sz="2200"/>
             </a:lvl5pPr>
             <a:lvl6pPr>
-              <a:defRPr sz="1600"/>
+              <a:defRPr sz="2200"/>
             </a:lvl6pPr>
             <a:lvl7pPr>
-              <a:defRPr sz="1600"/>
+              <a:defRPr sz="2200"/>
             </a:lvl7pPr>
             <a:lvl8pPr>
-              <a:defRPr sz="1600"/>
+              <a:defRPr sz="2200"/>
             </a:lvl8pPr>
             <a:lvl9pPr>
-              <a:defRPr sz="1600"/>
+              <a:defRPr sz="2200"/>
             </a:lvl9pPr>
           </a:lstStyle>
           <a:p>
@@ -2121,7 +2135,8 @@
           <a:p>
             <a:fld id="{78C97017-6FC3-485B-9764-EAC9E56C1D49}" type="datetimeFigureOut">
               <a:rPr lang="en-US" smtClean="0"/>
-              <a:t>10/24/2017</a:t>
+              <a:pPr/>
+              <a:t>10/30/2017</a:t>
             </a:fld>
             <a:endParaRPr lang="en-US"/>
           </a:p>
@@ -2163,6 +2178,7 @@
           <a:p>
             <a:fld id="{FB34683C-161B-4520-BF45-B179E228CF2A}" type="slidenum">
               <a:rPr lang="en-US" smtClean="0"/>
+              <a:pPr/>
               <a:t>‹#›</a:t>
             </a:fld>
             <a:endParaRPr lang="en-US"/>
@@ -2172,7 +2188,7 @@
     </p:spTree>
     <p:extLst>
       <p:ext uri="{BB962C8B-B14F-4D97-AF65-F5344CB8AC3E}">
-        <p14:creationId xmlns:p14="http://schemas.microsoft.com/office/powerpoint/2010/main" val="1126424250"/>
+        <p14:creationId xmlns="" xmlns:p14="http://schemas.microsoft.com/office/powerpoint/2010/main" val="1126424250"/>
       </p:ext>
     </p:extLst>
   </p:cSld>
@@ -2238,7 +2254,8 @@
           <a:p>
             <a:fld id="{78C97017-6FC3-485B-9764-EAC9E56C1D49}" type="datetimeFigureOut">
               <a:rPr lang="en-US" smtClean="0"/>
-              <a:t>10/24/2017</a:t>
+              <a:pPr/>
+              <a:t>10/30/2017</a:t>
             </a:fld>
             <a:endParaRPr lang="en-US"/>
           </a:p>
@@ -2280,6 +2297,7 @@
           <a:p>
             <a:fld id="{FB34683C-161B-4520-BF45-B179E228CF2A}" type="slidenum">
               <a:rPr lang="en-US" smtClean="0"/>
+              <a:pPr/>
               <a:t>‹#›</a:t>
             </a:fld>
             <a:endParaRPr lang="en-US"/>
@@ -2289,7 +2307,7 @@
     </p:spTree>
     <p:extLst>
       <p:ext uri="{BB962C8B-B14F-4D97-AF65-F5344CB8AC3E}">
-        <p14:creationId xmlns:p14="http://schemas.microsoft.com/office/powerpoint/2010/main" val="4159724230"/>
+        <p14:creationId xmlns="" xmlns:p14="http://schemas.microsoft.com/office/powerpoint/2010/main" val="4159724230"/>
       </p:ext>
     </p:extLst>
   </p:cSld>
@@ -2333,7 +2351,8 @@
           <a:p>
             <a:fld id="{78C97017-6FC3-485B-9764-EAC9E56C1D49}" type="datetimeFigureOut">
               <a:rPr lang="en-US" smtClean="0"/>
-              <a:t>10/24/2017</a:t>
+              <a:pPr/>
+              <a:t>10/30/2017</a:t>
             </a:fld>
             <a:endParaRPr lang="en-US"/>
           </a:p>
@@ -2375,6 +2394,7 @@
           <a:p>
             <a:fld id="{FB34683C-161B-4520-BF45-B179E228CF2A}" type="slidenum">
               <a:rPr lang="en-US" smtClean="0"/>
+              <a:pPr/>
               <a:t>‹#›</a:t>
             </a:fld>
             <a:endParaRPr lang="en-US"/>
@@ -2384,7 +2404,7 @@
     </p:spTree>
     <p:extLst>
       <p:ext uri="{BB962C8B-B14F-4D97-AF65-F5344CB8AC3E}">
-        <p14:creationId xmlns:p14="http://schemas.microsoft.com/office/powerpoint/2010/main" val="1793928710"/>
+        <p14:creationId xmlns="" xmlns:p14="http://schemas.microsoft.com/office/powerpoint/2010/main" val="1793928710"/>
       </p:ext>
     </p:extLst>
   </p:cSld>
@@ -2423,15 +2443,15 @@
         </p:nvSpPr>
         <p:spPr>
           <a:xfrm>
-            <a:off x="457200" y="273050"/>
-            <a:ext cx="3008313" cy="1162050"/>
+            <a:off x="673260" y="382270"/>
+            <a:ext cx="4429950" cy="1626870"/>
           </a:xfrm>
         </p:spPr>
         <p:txBody>
           <a:bodyPr anchor="b"/>
           <a:lstStyle>
             <a:lvl1pPr algn="l">
-              <a:defRPr sz="2000" b="1"/>
+              <a:defRPr sz="2800" b="1"/>
             </a:lvl1pPr>
           </a:lstStyle>
           <a:p>
@@ -2454,39 +2474,39 @@
         </p:nvSpPr>
         <p:spPr>
           <a:xfrm>
-            <a:off x="3575050" y="273050"/>
-            <a:ext cx="5111750" cy="5853113"/>
+            <a:off x="5264510" y="382271"/>
+            <a:ext cx="7527407" cy="8194358"/>
           </a:xfrm>
         </p:spPr>
         <p:txBody>
           <a:bodyPr/>
           <a:lstStyle>
             <a:lvl1pPr>
-              <a:defRPr sz="3200"/>
+              <a:defRPr sz="4500"/>
             </a:lvl1pPr>
             <a:lvl2pPr>
-              <a:defRPr sz="2800"/>
+              <a:defRPr sz="3900"/>
             </a:lvl2pPr>
             <a:lvl3pPr>
-              <a:defRPr sz="2400"/>
+              <a:defRPr sz="3400"/>
             </a:lvl3pPr>
             <a:lvl4pPr>
-              <a:defRPr sz="2000"/>
+              <a:defRPr sz="2800"/>
             </a:lvl4pPr>
             <a:lvl5pPr>
-              <a:defRPr sz="2000"/>
+              <a:defRPr sz="2800"/>
             </a:lvl5pPr>
             <a:lvl6pPr>
-              <a:defRPr sz="2000"/>
+              <a:defRPr sz="2800"/>
             </a:lvl6pPr>
             <a:lvl7pPr>
-              <a:defRPr sz="2000"/>
+              <a:defRPr sz="2800"/>
             </a:lvl7pPr>
             <a:lvl8pPr>
-              <a:defRPr sz="2000"/>
+              <a:defRPr sz="2800"/>
             </a:lvl8pPr>
             <a:lvl9pPr>
-              <a:defRPr sz="2000"/>
+              <a:defRPr sz="2800"/>
             </a:lvl9pPr>
           </a:lstStyle>
           <a:p>
@@ -2538,8 +2558,8 @@
         </p:nvSpPr>
         <p:spPr>
           <a:xfrm>
-            <a:off x="457200" y="1435100"/>
-            <a:ext cx="3008313" cy="4691063"/>
+            <a:off x="673260" y="2009141"/>
+            <a:ext cx="4429950" cy="6567488"/>
           </a:xfrm>
         </p:spPr>
         <p:txBody>
@@ -2547,39 +2567,39 @@
           <a:lstStyle>
             <a:lvl1pPr marL="0" indent="0">
               <a:buNone/>
+              <a:defRPr sz="2000"/>
+            </a:lvl1pPr>
+            <a:lvl2pPr marL="640080" indent="0">
+              <a:buNone/>
+              <a:defRPr sz="1700"/>
+            </a:lvl2pPr>
+            <a:lvl3pPr marL="1280160" indent="0">
+              <a:buNone/>
               <a:defRPr sz="1400"/>
-            </a:lvl1pPr>
-            <a:lvl2pPr marL="457200" indent="0">
-              <a:buNone/>
-              <a:defRPr sz="1200"/>
-            </a:lvl2pPr>
-            <a:lvl3pPr marL="914400" indent="0">
-              <a:buNone/>
-              <a:defRPr sz="1000"/>
             </a:lvl3pPr>
-            <a:lvl4pPr marL="1371600" indent="0">
-              <a:buNone/>
-              <a:defRPr sz="900"/>
+            <a:lvl4pPr marL="1920240" indent="0">
+              <a:buNone/>
+              <a:defRPr sz="1300"/>
             </a:lvl4pPr>
-            <a:lvl5pPr marL="1828800" indent="0">
-              <a:buNone/>
-              <a:defRPr sz="900"/>
+            <a:lvl5pPr marL="2560320" indent="0">
+              <a:buNone/>
+              <a:defRPr sz="1300"/>
             </a:lvl5pPr>
-            <a:lvl6pPr marL="2286000" indent="0">
-              <a:buNone/>
-              <a:defRPr sz="900"/>
+            <a:lvl6pPr marL="3200400" indent="0">
+              <a:buNone/>
+              <a:defRPr sz="1300"/>
             </a:lvl6pPr>
-            <a:lvl7pPr marL="2743200" indent="0">
-              <a:buNone/>
-              <a:defRPr sz="900"/>
+            <a:lvl7pPr marL="3840480" indent="0">
+              <a:buNone/>
+              <a:defRPr sz="1300"/>
             </a:lvl7pPr>
-            <a:lvl8pPr marL="3200400" indent="0">
-              <a:buNone/>
-              <a:defRPr sz="900"/>
+            <a:lvl8pPr marL="4480560" indent="0">
+              <a:buNone/>
+              <a:defRPr sz="1300"/>
             </a:lvl8pPr>
-            <a:lvl9pPr marL="3657600" indent="0">
-              <a:buNone/>
-              <a:defRPr sz="900"/>
+            <a:lvl9pPr marL="5120640" indent="0">
+              <a:buNone/>
+              <a:defRPr sz="1300"/>
             </a:lvl9pPr>
           </a:lstStyle>
           <a:p>
@@ -2608,7 +2628,8 @@
           <a:p>
             <a:fld id="{78C97017-6FC3-485B-9764-EAC9E56C1D49}" type="datetimeFigureOut">
               <a:rPr lang="en-US" smtClean="0"/>
-              <a:t>10/24/2017</a:t>
+              <a:pPr/>
+              <a:t>10/30/2017</a:t>
             </a:fld>
             <a:endParaRPr lang="en-US"/>
           </a:p>
@@ -2650,6 +2671,7 @@
           <a:p>
             <a:fld id="{FB34683C-161B-4520-BF45-B179E228CF2A}" type="slidenum">
               <a:rPr lang="en-US" smtClean="0"/>
+              <a:pPr/>
               <a:t>‹#›</a:t>
             </a:fld>
             <a:endParaRPr lang="en-US"/>
@@ -2659,7 +2681,7 @@
     </p:spTree>
     <p:extLst>
       <p:ext uri="{BB962C8B-B14F-4D97-AF65-F5344CB8AC3E}">
-        <p14:creationId xmlns:p14="http://schemas.microsoft.com/office/powerpoint/2010/main" val="2076802089"/>
+        <p14:creationId xmlns="" xmlns:p14="http://schemas.microsoft.com/office/powerpoint/2010/main" val="2076802089"/>
       </p:ext>
     </p:extLst>
   </p:cSld>
@@ -2698,15 +2720,15 @@
         </p:nvSpPr>
         <p:spPr>
           <a:xfrm>
-            <a:off x="1792288" y="4800600"/>
-            <a:ext cx="5486400" cy="566738"/>
+            <a:off x="2639268" y="6720843"/>
+            <a:ext cx="8079105" cy="793433"/>
           </a:xfrm>
         </p:spPr>
         <p:txBody>
           <a:bodyPr anchor="b"/>
           <a:lstStyle>
             <a:lvl1pPr algn="l">
-              <a:defRPr sz="2000" b="1"/>
+              <a:defRPr sz="2800" b="1"/>
             </a:lvl1pPr>
           </a:lstStyle>
           <a:p>
@@ -2729,8 +2751,8 @@
         </p:nvSpPr>
         <p:spPr>
           <a:xfrm>
-            <a:off x="1792288" y="612775"/>
-            <a:ext cx="5486400" cy="4114800"/>
+            <a:off x="2639268" y="857885"/>
+            <a:ext cx="8079105" cy="5760720"/>
           </a:xfrm>
         </p:spPr>
         <p:txBody>
@@ -2738,39 +2760,39 @@
           <a:lstStyle>
             <a:lvl1pPr marL="0" indent="0">
               <a:buNone/>
-              <a:defRPr sz="3200"/>
+              <a:defRPr sz="4500"/>
             </a:lvl1pPr>
-            <a:lvl2pPr marL="457200" indent="0">
+            <a:lvl2pPr marL="640080" indent="0">
+              <a:buNone/>
+              <a:defRPr sz="3900"/>
+            </a:lvl2pPr>
+            <a:lvl3pPr marL="1280160" indent="0">
+              <a:buNone/>
+              <a:defRPr sz="3400"/>
+            </a:lvl3pPr>
+            <a:lvl4pPr marL="1920240" indent="0">
               <a:buNone/>
               <a:defRPr sz="2800"/>
-            </a:lvl2pPr>
-            <a:lvl3pPr marL="914400" indent="0">
-              <a:buNone/>
-              <a:defRPr sz="2400"/>
-            </a:lvl3pPr>
-            <a:lvl4pPr marL="1371600" indent="0">
-              <a:buNone/>
-              <a:defRPr sz="2000"/>
             </a:lvl4pPr>
-            <a:lvl5pPr marL="1828800" indent="0">
-              <a:buNone/>
-              <a:defRPr sz="2000"/>
+            <a:lvl5pPr marL="2560320" indent="0">
+              <a:buNone/>
+              <a:defRPr sz="2800"/>
             </a:lvl5pPr>
-            <a:lvl6pPr marL="2286000" indent="0">
-              <a:buNone/>
-              <a:defRPr sz="2000"/>
+            <a:lvl6pPr marL="3200400" indent="0">
+              <a:buNone/>
+              <a:defRPr sz="2800"/>
             </a:lvl6pPr>
-            <a:lvl7pPr marL="2743200" indent="0">
-              <a:buNone/>
-              <a:defRPr sz="2000"/>
+            <a:lvl7pPr marL="3840480" indent="0">
+              <a:buNone/>
+              <a:defRPr sz="2800"/>
             </a:lvl7pPr>
-            <a:lvl8pPr marL="3200400" indent="0">
-              <a:buNone/>
-              <a:defRPr sz="2000"/>
+            <a:lvl8pPr marL="4480560" indent="0">
+              <a:buNone/>
+              <a:defRPr sz="2800"/>
             </a:lvl8pPr>
-            <a:lvl9pPr marL="3657600" indent="0">
-              <a:buNone/>
-              <a:defRPr sz="2000"/>
+            <a:lvl9pPr marL="5120640" indent="0">
+              <a:buNone/>
+              <a:defRPr sz="2800"/>
             </a:lvl9pPr>
           </a:lstStyle>
           <a:p>
@@ -2790,8 +2812,8 @@
         </p:nvSpPr>
         <p:spPr>
           <a:xfrm>
-            <a:off x="1792288" y="5367338"/>
-            <a:ext cx="5486400" cy="804862"/>
+            <a:off x="2639268" y="7514276"/>
+            <a:ext cx="8079105" cy="1126807"/>
           </a:xfrm>
         </p:spPr>
         <p:txBody>
@@ -2799,39 +2821,39 @@
           <a:lstStyle>
             <a:lvl1pPr marL="0" indent="0">
               <a:buNone/>
+              <a:defRPr sz="2000"/>
+            </a:lvl1pPr>
+            <a:lvl2pPr marL="640080" indent="0">
+              <a:buNone/>
+              <a:defRPr sz="1700"/>
+            </a:lvl2pPr>
+            <a:lvl3pPr marL="1280160" indent="0">
+              <a:buNone/>
               <a:defRPr sz="1400"/>
-            </a:lvl1pPr>
-            <a:lvl2pPr marL="457200" indent="0">
-              <a:buNone/>
-              <a:defRPr sz="1200"/>
-            </a:lvl2pPr>
-            <a:lvl3pPr marL="914400" indent="0">
-              <a:buNone/>
-              <a:defRPr sz="1000"/>
             </a:lvl3pPr>
-            <a:lvl4pPr marL="1371600" indent="0">
-              <a:buNone/>
-              <a:defRPr sz="900"/>
+            <a:lvl4pPr marL="1920240" indent="0">
+              <a:buNone/>
+              <a:defRPr sz="1300"/>
             </a:lvl4pPr>
-            <a:lvl5pPr marL="1828800" indent="0">
-              <a:buNone/>
-              <a:defRPr sz="900"/>
+            <a:lvl5pPr marL="2560320" indent="0">
+              <a:buNone/>
+              <a:defRPr sz="1300"/>
             </a:lvl5pPr>
-            <a:lvl6pPr marL="2286000" indent="0">
-              <a:buNone/>
-              <a:defRPr sz="900"/>
+            <a:lvl6pPr marL="3200400" indent="0">
+              <a:buNone/>
+              <a:defRPr sz="1300"/>
             </a:lvl6pPr>
-            <a:lvl7pPr marL="2743200" indent="0">
-              <a:buNone/>
-              <a:defRPr sz="900"/>
+            <a:lvl7pPr marL="3840480" indent="0">
+              <a:buNone/>
+              <a:defRPr sz="1300"/>
             </a:lvl7pPr>
-            <a:lvl8pPr marL="3200400" indent="0">
-              <a:buNone/>
-              <a:defRPr sz="900"/>
+            <a:lvl8pPr marL="4480560" indent="0">
+              <a:buNone/>
+              <a:defRPr sz="1300"/>
             </a:lvl8pPr>
-            <a:lvl9pPr marL="3657600" indent="0">
-              <a:buNone/>
-              <a:defRPr sz="900"/>
+            <a:lvl9pPr marL="5120640" indent="0">
+              <a:buNone/>
+              <a:defRPr sz="1300"/>
             </a:lvl9pPr>
           </a:lstStyle>
           <a:p>
@@ -2860,7 +2882,8 @@
           <a:p>
             <a:fld id="{78C97017-6FC3-485B-9764-EAC9E56C1D49}" type="datetimeFigureOut">
               <a:rPr lang="en-US" smtClean="0"/>
-              <a:t>10/24/2017</a:t>
+              <a:pPr/>
+              <a:t>10/30/2017</a:t>
             </a:fld>
             <a:endParaRPr lang="en-US"/>
           </a:p>
@@ -2902,6 +2925,7 @@
           <a:p>
             <a:fld id="{FB34683C-161B-4520-BF45-B179E228CF2A}" type="slidenum">
               <a:rPr lang="en-US" smtClean="0"/>
+              <a:pPr/>
               <a:t>‹#›</a:t>
             </a:fld>
             <a:endParaRPr lang="en-US"/>
@@ -2911,7 +2935,7 @@
     </p:spTree>
     <p:extLst>
       <p:ext uri="{BB962C8B-B14F-4D97-AF65-F5344CB8AC3E}">
-        <p14:creationId xmlns:p14="http://schemas.microsoft.com/office/powerpoint/2010/main" val="201835938"/>
+        <p14:creationId xmlns="" xmlns:p14="http://schemas.microsoft.com/office/powerpoint/2010/main" val="201835938"/>
       </p:ext>
     </p:extLst>
   </p:cSld>
@@ -2955,15 +2979,15 @@
         </p:nvSpPr>
         <p:spPr>
           <a:xfrm>
-            <a:off x="457200" y="274638"/>
-            <a:ext cx="8229600" cy="1143000"/>
+            <a:off x="673259" y="384493"/>
+            <a:ext cx="12118658" cy="1600200"/>
           </a:xfrm>
           <a:prstGeom prst="rect">
             <a:avLst/>
           </a:prstGeom>
         </p:spPr>
         <p:txBody>
-          <a:bodyPr vert="horz" lIns="91440" tIns="45720" rIns="91440" bIns="45720" rtlCol="0" anchor="ctr">
+          <a:bodyPr vert="horz" lIns="128016" tIns="64008" rIns="128016" bIns="64008" rtlCol="0" anchor="ctr">
             <a:normAutofit/>
           </a:bodyPr>
           <a:lstStyle/>
@@ -2987,15 +3011,15 @@
         </p:nvSpPr>
         <p:spPr>
           <a:xfrm>
-            <a:off x="457200" y="1600200"/>
-            <a:ext cx="8229600" cy="4525963"/>
+            <a:off x="673259" y="2240281"/>
+            <a:ext cx="12118658" cy="6336348"/>
           </a:xfrm>
           <a:prstGeom prst="rect">
             <a:avLst/>
           </a:prstGeom>
         </p:spPr>
         <p:txBody>
-          <a:bodyPr vert="horz" lIns="91440" tIns="45720" rIns="91440" bIns="45720" rtlCol="0">
+          <a:bodyPr vert="horz" lIns="128016" tIns="64008" rIns="128016" bIns="64008" rtlCol="0">
             <a:normAutofit/>
           </a:bodyPr>
           <a:lstStyle/>
@@ -3048,18 +3072,18 @@
         </p:nvSpPr>
         <p:spPr>
           <a:xfrm>
-            <a:off x="457200" y="6356350"/>
-            <a:ext cx="2133600" cy="365125"/>
+            <a:off x="673259" y="8898894"/>
+            <a:ext cx="3141874" cy="511175"/>
           </a:xfrm>
           <a:prstGeom prst="rect">
             <a:avLst/>
           </a:prstGeom>
         </p:spPr>
         <p:txBody>
-          <a:bodyPr vert="horz" lIns="91440" tIns="45720" rIns="91440" bIns="45720" rtlCol="0" anchor="ctr"/>
+          <a:bodyPr vert="horz" lIns="128016" tIns="64008" rIns="128016" bIns="64008" rtlCol="0" anchor="ctr"/>
           <a:lstStyle>
             <a:lvl1pPr algn="l">
-              <a:defRPr sz="1200">
+              <a:defRPr sz="1700">
                 <a:solidFill>
                   <a:schemeClr val="tx1">
                     <a:tint val="75000"/>
@@ -3071,7 +3095,8 @@
           <a:p>
             <a:fld id="{78C97017-6FC3-485B-9764-EAC9E56C1D49}" type="datetimeFigureOut">
               <a:rPr lang="en-US" smtClean="0"/>
-              <a:t>10/24/2017</a:t>
+              <a:pPr/>
+              <a:t>10/30/2017</a:t>
             </a:fld>
             <a:endParaRPr lang="en-US"/>
           </a:p>
@@ -3089,18 +3114,18 @@
         </p:nvSpPr>
         <p:spPr>
           <a:xfrm>
-            <a:off x="3124200" y="6356350"/>
-            <a:ext cx="2895600" cy="365125"/>
+            <a:off x="4600602" y="8898894"/>
+            <a:ext cx="4263972" cy="511175"/>
           </a:xfrm>
           <a:prstGeom prst="rect">
             <a:avLst/>
           </a:prstGeom>
         </p:spPr>
         <p:txBody>
-          <a:bodyPr vert="horz" lIns="91440" tIns="45720" rIns="91440" bIns="45720" rtlCol="0" anchor="ctr"/>
+          <a:bodyPr vert="horz" lIns="128016" tIns="64008" rIns="128016" bIns="64008" rtlCol="0" anchor="ctr"/>
           <a:lstStyle>
             <a:lvl1pPr algn="ctr">
-              <a:defRPr sz="1200">
+              <a:defRPr sz="1700">
                 <a:solidFill>
                   <a:schemeClr val="tx1">
                     <a:tint val="75000"/>
@@ -3126,18 +3151,18 @@
         </p:nvSpPr>
         <p:spPr>
           <a:xfrm>
-            <a:off x="6553200" y="6356350"/>
-            <a:ext cx="2133600" cy="365125"/>
+            <a:off x="9650042" y="8898894"/>
+            <a:ext cx="3141874" cy="511175"/>
           </a:xfrm>
           <a:prstGeom prst="rect">
             <a:avLst/>
           </a:prstGeom>
         </p:spPr>
         <p:txBody>
-          <a:bodyPr vert="horz" lIns="91440" tIns="45720" rIns="91440" bIns="45720" rtlCol="0" anchor="ctr"/>
+          <a:bodyPr vert="horz" lIns="128016" tIns="64008" rIns="128016" bIns="64008" rtlCol="0" anchor="ctr"/>
           <a:lstStyle>
             <a:lvl1pPr algn="r">
-              <a:defRPr sz="1200">
+              <a:defRPr sz="1700">
                 <a:solidFill>
                   <a:schemeClr val="tx1">
                     <a:tint val="75000"/>
@@ -3149,6 +3174,7 @@
           <a:p>
             <a:fld id="{FB34683C-161B-4520-BF45-B179E228CF2A}" type="slidenum">
               <a:rPr lang="en-US" smtClean="0"/>
+              <a:pPr/>
               <a:t>‹#›</a:t>
             </a:fld>
             <a:endParaRPr lang="en-US"/>
@@ -3158,7 +3184,7 @@
     </p:spTree>
     <p:extLst>
       <p:ext uri="{BB962C8B-B14F-4D97-AF65-F5344CB8AC3E}">
-        <p14:creationId xmlns:p14="http://schemas.microsoft.com/office/powerpoint/2010/main" val="2341400630"/>
+        <p14:creationId xmlns="" xmlns:p14="http://schemas.microsoft.com/office/powerpoint/2010/main" val="2341400630"/>
       </p:ext>
     </p:extLst>
   </p:cSld>
@@ -3178,12 +3204,12 @@
   </p:sldLayoutIdLst>
   <p:txStyles>
     <p:titleStyle>
-      <a:lvl1pPr algn="ctr" defTabSz="914400" rtl="0" eaLnBrk="1" latinLnBrk="0" hangingPunct="1">
+      <a:lvl1pPr algn="ctr" defTabSz="1280160" rtl="0" eaLnBrk="1" latinLnBrk="0" hangingPunct="1">
         <a:spcBef>
           <a:spcPct val="0"/>
         </a:spcBef>
         <a:buNone/>
-        <a:defRPr sz="4400" kern="1200">
+        <a:defRPr sz="6200" kern="1200">
           <a:solidFill>
             <a:schemeClr val="tx1"/>
           </a:solidFill>
@@ -3194,13 +3220,13 @@
       </a:lvl1pPr>
     </p:titleStyle>
     <p:bodyStyle>
-      <a:lvl1pPr marL="342900" indent="-342900" algn="l" defTabSz="914400" rtl="0" eaLnBrk="1" latinLnBrk="0" hangingPunct="1">
+      <a:lvl1pPr marL="480060" indent="-480060" algn="l" defTabSz="1280160" rtl="0" eaLnBrk="1" latinLnBrk="0" hangingPunct="1">
         <a:spcBef>
           <a:spcPct val="20000"/>
         </a:spcBef>
         <a:buFont typeface="Arial" panose="020B0604020202020204" pitchFamily="34" charset="0"/>
         <a:buChar char="•"/>
-        <a:defRPr sz="3200" kern="1200">
+        <a:defRPr sz="4500" kern="1200">
           <a:solidFill>
             <a:schemeClr val="tx1"/>
           </a:solidFill>
@@ -3209,7 +3235,37 @@
           <a:cs typeface="+mn-cs"/>
         </a:defRPr>
       </a:lvl1pPr>
-      <a:lvl2pPr marL="742950" indent="-285750" algn="l" defTabSz="914400" rtl="0" eaLnBrk="1" latinLnBrk="0" hangingPunct="1">
+      <a:lvl2pPr marL="1040130" indent="-400050" algn="l" defTabSz="1280160" rtl="0" eaLnBrk="1" latinLnBrk="0" hangingPunct="1">
+        <a:spcBef>
+          <a:spcPct val="20000"/>
+        </a:spcBef>
+        <a:buFont typeface="Arial" panose="020B0604020202020204" pitchFamily="34" charset="0"/>
+        <a:buChar char="–"/>
+        <a:defRPr sz="3900" kern="1200">
+          <a:solidFill>
+            <a:schemeClr val="tx1"/>
+          </a:solidFill>
+          <a:latin typeface="+mn-lt"/>
+          <a:ea typeface="+mn-ea"/>
+          <a:cs typeface="+mn-cs"/>
+        </a:defRPr>
+      </a:lvl2pPr>
+      <a:lvl3pPr marL="1600200" indent="-320040" algn="l" defTabSz="1280160" rtl="0" eaLnBrk="1" latinLnBrk="0" hangingPunct="1">
+        <a:spcBef>
+          <a:spcPct val="20000"/>
+        </a:spcBef>
+        <a:buFont typeface="Arial" panose="020B0604020202020204" pitchFamily="34" charset="0"/>
+        <a:buChar char="•"/>
+        <a:defRPr sz="3400" kern="1200">
+          <a:solidFill>
+            <a:schemeClr val="tx1"/>
+          </a:solidFill>
+          <a:latin typeface="+mn-lt"/>
+          <a:ea typeface="+mn-ea"/>
+          <a:cs typeface="+mn-cs"/>
+        </a:defRPr>
+      </a:lvl3pPr>
+      <a:lvl4pPr marL="2240280" indent="-320040" algn="l" defTabSz="1280160" rtl="0" eaLnBrk="1" latinLnBrk="0" hangingPunct="1">
         <a:spcBef>
           <a:spcPct val="20000"/>
         </a:spcBef>
@@ -3223,44 +3279,14 @@
           <a:ea typeface="+mn-ea"/>
           <a:cs typeface="+mn-cs"/>
         </a:defRPr>
-      </a:lvl2pPr>
-      <a:lvl3pPr marL="1143000" indent="-228600" algn="l" defTabSz="914400" rtl="0" eaLnBrk="1" latinLnBrk="0" hangingPunct="1">
-        <a:spcBef>
-          <a:spcPct val="20000"/>
-        </a:spcBef>
-        <a:buFont typeface="Arial" panose="020B0604020202020204" pitchFamily="34" charset="0"/>
-        <a:buChar char="•"/>
-        <a:defRPr sz="2400" kern="1200">
-          <a:solidFill>
-            <a:schemeClr val="tx1"/>
-          </a:solidFill>
-          <a:latin typeface="+mn-lt"/>
-          <a:ea typeface="+mn-ea"/>
-          <a:cs typeface="+mn-cs"/>
-        </a:defRPr>
-      </a:lvl3pPr>
-      <a:lvl4pPr marL="1600200" indent="-228600" algn="l" defTabSz="914400" rtl="0" eaLnBrk="1" latinLnBrk="0" hangingPunct="1">
-        <a:spcBef>
-          <a:spcPct val="20000"/>
-        </a:spcBef>
-        <a:buFont typeface="Arial" panose="020B0604020202020204" pitchFamily="34" charset="0"/>
-        <a:buChar char="–"/>
-        <a:defRPr sz="2000" kern="1200">
-          <a:solidFill>
-            <a:schemeClr val="tx1"/>
-          </a:solidFill>
-          <a:latin typeface="+mn-lt"/>
-          <a:ea typeface="+mn-ea"/>
-          <a:cs typeface="+mn-cs"/>
-        </a:defRPr>
       </a:lvl4pPr>
-      <a:lvl5pPr marL="2057400" indent="-228600" algn="l" defTabSz="914400" rtl="0" eaLnBrk="1" latinLnBrk="0" hangingPunct="1">
+      <a:lvl5pPr marL="2880360" indent="-320040" algn="l" defTabSz="1280160" rtl="0" eaLnBrk="1" latinLnBrk="0" hangingPunct="1">
         <a:spcBef>
           <a:spcPct val="20000"/>
         </a:spcBef>
         <a:buFont typeface="Arial" panose="020B0604020202020204" pitchFamily="34" charset="0"/>
         <a:buChar char="»"/>
-        <a:defRPr sz="2000" kern="1200">
+        <a:defRPr sz="2800" kern="1200">
           <a:solidFill>
             <a:schemeClr val="tx1"/>
           </a:solidFill>
@@ -3269,13 +3295,13 @@
           <a:cs typeface="+mn-cs"/>
         </a:defRPr>
       </a:lvl5pPr>
-      <a:lvl6pPr marL="2514600" indent="-228600" algn="l" defTabSz="914400" rtl="0" eaLnBrk="1" latinLnBrk="0" hangingPunct="1">
+      <a:lvl6pPr marL="3520440" indent="-320040" algn="l" defTabSz="1280160" rtl="0" eaLnBrk="1" latinLnBrk="0" hangingPunct="1">
         <a:spcBef>
           <a:spcPct val="20000"/>
         </a:spcBef>
         <a:buFont typeface="Arial" panose="020B0604020202020204" pitchFamily="34" charset="0"/>
         <a:buChar char="•"/>
-        <a:defRPr sz="2000" kern="1200">
+        <a:defRPr sz="2800" kern="1200">
           <a:solidFill>
             <a:schemeClr val="tx1"/>
           </a:solidFill>
@@ -3284,13 +3310,13 @@
           <a:cs typeface="+mn-cs"/>
         </a:defRPr>
       </a:lvl6pPr>
-      <a:lvl7pPr marL="2971800" indent="-228600" algn="l" defTabSz="914400" rtl="0" eaLnBrk="1" latinLnBrk="0" hangingPunct="1">
+      <a:lvl7pPr marL="4160520" indent="-320040" algn="l" defTabSz="1280160" rtl="0" eaLnBrk="1" latinLnBrk="0" hangingPunct="1">
         <a:spcBef>
           <a:spcPct val="20000"/>
         </a:spcBef>
         <a:buFont typeface="Arial" panose="020B0604020202020204" pitchFamily="34" charset="0"/>
         <a:buChar char="•"/>
-        <a:defRPr sz="2000" kern="1200">
+        <a:defRPr sz="2800" kern="1200">
           <a:solidFill>
             <a:schemeClr val="tx1"/>
           </a:solidFill>
@@ -3299,13 +3325,13 @@
           <a:cs typeface="+mn-cs"/>
         </a:defRPr>
       </a:lvl7pPr>
-      <a:lvl8pPr marL="3429000" indent="-228600" algn="l" defTabSz="914400" rtl="0" eaLnBrk="1" latinLnBrk="0" hangingPunct="1">
+      <a:lvl8pPr marL="4800600" indent="-320040" algn="l" defTabSz="1280160" rtl="0" eaLnBrk="1" latinLnBrk="0" hangingPunct="1">
         <a:spcBef>
           <a:spcPct val="20000"/>
         </a:spcBef>
         <a:buFont typeface="Arial" panose="020B0604020202020204" pitchFamily="34" charset="0"/>
         <a:buChar char="•"/>
-        <a:defRPr sz="2000" kern="1200">
+        <a:defRPr sz="2800" kern="1200">
           <a:solidFill>
             <a:schemeClr val="tx1"/>
           </a:solidFill>
@@ -3314,13 +3340,13 @@
           <a:cs typeface="+mn-cs"/>
         </a:defRPr>
       </a:lvl8pPr>
-      <a:lvl9pPr marL="3886200" indent="-228600" algn="l" defTabSz="914400" rtl="0" eaLnBrk="1" latinLnBrk="0" hangingPunct="1">
+      <a:lvl9pPr marL="5440680" indent="-320040" algn="l" defTabSz="1280160" rtl="0" eaLnBrk="1" latinLnBrk="0" hangingPunct="1">
         <a:spcBef>
           <a:spcPct val="20000"/>
         </a:spcBef>
         <a:buFont typeface="Arial" panose="020B0604020202020204" pitchFamily="34" charset="0"/>
         <a:buChar char="•"/>
-        <a:defRPr sz="2000" kern="1200">
+        <a:defRPr sz="2800" kern="1200">
           <a:solidFill>
             <a:schemeClr val="tx1"/>
           </a:solidFill>
@@ -3334,8 +3360,8 @@
       <a:defPPr>
         <a:defRPr lang="en-US"/>
       </a:defPPr>
-      <a:lvl1pPr marL="0" algn="l" defTabSz="914400" rtl="0" eaLnBrk="1" latinLnBrk="0" hangingPunct="1">
-        <a:defRPr sz="1800" kern="1200">
+      <a:lvl1pPr marL="0" algn="l" defTabSz="1280160" rtl="0" eaLnBrk="1" latinLnBrk="0" hangingPunct="1">
+        <a:defRPr sz="2500" kern="1200">
           <a:solidFill>
             <a:schemeClr val="tx1"/>
           </a:solidFill>
@@ -3344,8 +3370,8 @@
           <a:cs typeface="+mn-cs"/>
         </a:defRPr>
       </a:lvl1pPr>
-      <a:lvl2pPr marL="457200" algn="l" defTabSz="914400" rtl="0" eaLnBrk="1" latinLnBrk="0" hangingPunct="1">
-        <a:defRPr sz="1800" kern="1200">
+      <a:lvl2pPr marL="640080" algn="l" defTabSz="1280160" rtl="0" eaLnBrk="1" latinLnBrk="0" hangingPunct="1">
+        <a:defRPr sz="2500" kern="1200">
           <a:solidFill>
             <a:schemeClr val="tx1"/>
           </a:solidFill>
@@ -3354,8 +3380,8 @@
           <a:cs typeface="+mn-cs"/>
         </a:defRPr>
       </a:lvl2pPr>
-      <a:lvl3pPr marL="914400" algn="l" defTabSz="914400" rtl="0" eaLnBrk="1" latinLnBrk="0" hangingPunct="1">
-        <a:defRPr sz="1800" kern="1200">
+      <a:lvl3pPr marL="1280160" algn="l" defTabSz="1280160" rtl="0" eaLnBrk="1" latinLnBrk="0" hangingPunct="1">
+        <a:defRPr sz="2500" kern="1200">
           <a:solidFill>
             <a:schemeClr val="tx1"/>
           </a:solidFill>
@@ -3364,8 +3390,8 @@
           <a:cs typeface="+mn-cs"/>
         </a:defRPr>
       </a:lvl3pPr>
-      <a:lvl4pPr marL="1371600" algn="l" defTabSz="914400" rtl="0" eaLnBrk="1" latinLnBrk="0" hangingPunct="1">
-        <a:defRPr sz="1800" kern="1200">
+      <a:lvl4pPr marL="1920240" algn="l" defTabSz="1280160" rtl="0" eaLnBrk="1" latinLnBrk="0" hangingPunct="1">
+        <a:defRPr sz="2500" kern="1200">
           <a:solidFill>
             <a:schemeClr val="tx1"/>
           </a:solidFill>
@@ -3374,8 +3400,8 @@
           <a:cs typeface="+mn-cs"/>
         </a:defRPr>
       </a:lvl4pPr>
-      <a:lvl5pPr marL="1828800" algn="l" defTabSz="914400" rtl="0" eaLnBrk="1" latinLnBrk="0" hangingPunct="1">
-        <a:defRPr sz="1800" kern="1200">
+      <a:lvl5pPr marL="2560320" algn="l" defTabSz="1280160" rtl="0" eaLnBrk="1" latinLnBrk="0" hangingPunct="1">
+        <a:defRPr sz="2500" kern="1200">
           <a:solidFill>
             <a:schemeClr val="tx1"/>
           </a:solidFill>
@@ -3384,8 +3410,8 @@
           <a:cs typeface="+mn-cs"/>
         </a:defRPr>
       </a:lvl5pPr>
-      <a:lvl6pPr marL="2286000" algn="l" defTabSz="914400" rtl="0" eaLnBrk="1" latinLnBrk="0" hangingPunct="1">
-        <a:defRPr sz="1800" kern="1200">
+      <a:lvl6pPr marL="3200400" algn="l" defTabSz="1280160" rtl="0" eaLnBrk="1" latinLnBrk="0" hangingPunct="1">
+        <a:defRPr sz="2500" kern="1200">
           <a:solidFill>
             <a:schemeClr val="tx1"/>
           </a:solidFill>
@@ -3394,8 +3420,8 @@
           <a:cs typeface="+mn-cs"/>
         </a:defRPr>
       </a:lvl6pPr>
-      <a:lvl7pPr marL="2743200" algn="l" defTabSz="914400" rtl="0" eaLnBrk="1" latinLnBrk="0" hangingPunct="1">
-        <a:defRPr sz="1800" kern="1200">
+      <a:lvl7pPr marL="3840480" algn="l" defTabSz="1280160" rtl="0" eaLnBrk="1" latinLnBrk="0" hangingPunct="1">
+        <a:defRPr sz="2500" kern="1200">
           <a:solidFill>
             <a:schemeClr val="tx1"/>
           </a:solidFill>
@@ -3404,8 +3430,8 @@
           <a:cs typeface="+mn-cs"/>
         </a:defRPr>
       </a:lvl7pPr>
-      <a:lvl8pPr marL="3200400" algn="l" defTabSz="914400" rtl="0" eaLnBrk="1" latinLnBrk="0" hangingPunct="1">
-        <a:defRPr sz="1800" kern="1200">
+      <a:lvl8pPr marL="4480560" algn="l" defTabSz="1280160" rtl="0" eaLnBrk="1" latinLnBrk="0" hangingPunct="1">
+        <a:defRPr sz="2500" kern="1200">
           <a:solidFill>
             <a:schemeClr val="tx1"/>
           </a:solidFill>
@@ -3414,8 +3440,8 @@
           <a:cs typeface="+mn-cs"/>
         </a:defRPr>
       </a:lvl8pPr>
-      <a:lvl9pPr marL="3657600" algn="l" defTabSz="914400" rtl="0" eaLnBrk="1" latinLnBrk="0" hangingPunct="1">
-        <a:defRPr sz="1800" kern="1200">
+      <a:lvl9pPr marL="5120640" algn="l" defTabSz="1280160" rtl="0" eaLnBrk="1" latinLnBrk="0" hangingPunct="1">
+        <a:defRPr sz="2500" kern="1200">
           <a:solidFill>
             <a:schemeClr val="tx1"/>
           </a:solidFill>
@@ -3454,8 +3480,8 @@
         </p:nvSpPr>
         <p:spPr>
           <a:xfrm>
-            <a:off x="723900" y="228600"/>
-            <a:ext cx="8847118" cy="4343400"/>
+            <a:off x="336630" y="320040"/>
+            <a:ext cx="8303525" cy="6294120"/>
           </a:xfrm>
           <a:prstGeom prst="roundRect">
             <a:avLst>
@@ -3488,10 +3514,10 @@
           </a:fontRef>
         </p:style>
         <p:txBody>
-          <a:bodyPr rtlCol="0" anchor="t"/>
-          <a:lstStyle/>
-          <a:p>
-            <a:endParaRPr lang="en-SG" sz="1200" b="1" dirty="0">
+          <a:bodyPr lIns="128016" tIns="64008" rIns="128016" bIns="64008" rtlCol="0" anchor="t"/>
+          <a:lstStyle/>
+          <a:p>
+            <a:endParaRPr lang="en-SG" sz="1700" b="1" dirty="0">
               <a:solidFill>
                 <a:srgbClr val="0070C0"/>
               </a:solidFill>
@@ -3507,8 +3533,8 @@
         </p:nvSpPr>
         <p:spPr>
           <a:xfrm>
-            <a:off x="883145" y="543946"/>
-            <a:ext cx="1455629" cy="346760"/>
+            <a:off x="627235" y="761524"/>
+            <a:ext cx="2065801" cy="485464"/>
           </a:xfrm>
           <a:prstGeom prst="rect">
             <a:avLst/>
@@ -3538,12 +3564,12 @@
           </a:fontRef>
         </p:style>
         <p:txBody>
-          <a:bodyPr rtlCol="0" anchor="ctr"/>
+          <a:bodyPr lIns="128016" tIns="64008" rIns="128016" bIns="64008" rtlCol="0" anchor="ctr"/>
           <a:lstStyle/>
           <a:p>
             <a:pPr algn="ctr"/>
             <a:r>
-              <a:rPr lang="en-US" sz="1600" dirty="0">
+              <a:rPr lang="en-US" sz="2000" dirty="0">
                 <a:solidFill>
                   <a:schemeClr val="bg1"/>
                 </a:solidFill>
@@ -3551,14 +3577,14 @@
               <a:t>:</a:t>
             </a:r>
             <a:r>
-              <a:rPr lang="en-US" sz="1600" dirty="0" err="1">
+              <a:rPr lang="en-US" sz="2000" dirty="0" err="1">
                 <a:solidFill>
                   <a:schemeClr val="bg1"/>
                 </a:solidFill>
               </a:rPr>
               <a:t>LogicManager</a:t>
             </a:r>
-            <a:endParaRPr lang="en-SG" sz="1600" dirty="0">
+            <a:endParaRPr lang="en-SG" sz="2000" dirty="0">
               <a:solidFill>
                 <a:schemeClr val="bg1"/>
               </a:solidFill>
@@ -3576,8 +3602,8 @@
         </p:nvCxnSpPr>
         <p:spPr>
           <a:xfrm>
-            <a:off x="1610959" y="907617"/>
-            <a:ext cx="0" cy="3664383"/>
+            <a:off x="1698991" y="1270665"/>
+            <a:ext cx="0" cy="5130136"/>
           </a:xfrm>
           <a:prstGeom prst="line">
             <a:avLst/>
@@ -3613,8 +3639,8 @@
         </p:nvSpPr>
         <p:spPr>
           <a:xfrm>
-            <a:off x="1538951" y="1258311"/>
-            <a:ext cx="130674" cy="3085089"/>
+            <a:off x="1592954" y="1761639"/>
+            <a:ext cx="192427" cy="4319125"/>
           </a:xfrm>
           <a:prstGeom prst="rect">
             <a:avLst/>
@@ -3644,11 +3670,11 @@
           </a:fontRef>
         </p:style>
         <p:txBody>
-          <a:bodyPr rtlCol="0" anchor="ctr"/>
+          <a:bodyPr lIns="128016" tIns="64008" rIns="128016" bIns="64008" rtlCol="0" anchor="ctr"/>
           <a:lstStyle/>
           <a:p>
             <a:pPr algn="ctr"/>
-            <a:endParaRPr lang="en-SG" sz="1400"/>
+            <a:endParaRPr lang="en-SG" sz="2000" dirty="0"/>
           </a:p>
         </p:txBody>
       </p:sp>
@@ -3660,8 +3686,8 @@
         </p:nvSpPr>
         <p:spPr>
           <a:xfrm>
-            <a:off x="3437188" y="423022"/>
-            <a:ext cx="1219200" cy="467684"/>
+            <a:off x="4388240" y="533400"/>
+            <a:ext cx="1558880" cy="713588"/>
           </a:xfrm>
           <a:prstGeom prst="rect">
             <a:avLst/>
@@ -3691,12 +3717,12 @@
           </a:fontRef>
         </p:style>
         <p:txBody>
-          <a:bodyPr rtlCol="0" anchor="ctr"/>
+          <a:bodyPr lIns="128016" tIns="64008" rIns="128016" bIns="64008" rtlCol="0" anchor="ctr"/>
           <a:lstStyle/>
           <a:p>
             <a:pPr algn="ctr"/>
             <a:r>
-              <a:rPr lang="en-US" sz="1600" dirty="0">
+              <a:rPr lang="en-US" sz="2000" dirty="0">
                 <a:solidFill>
                   <a:schemeClr val="bg1"/>
                 </a:solidFill>
@@ -3707,14 +3733,14 @@
           <a:p>
             <a:pPr algn="ctr"/>
             <a:r>
-              <a:rPr lang="en-US" sz="1600" dirty="0" err="1">
+              <a:rPr lang="en-US" sz="2000" dirty="0" err="1">
                 <a:solidFill>
                   <a:schemeClr val="bg1"/>
                 </a:solidFill>
               </a:rPr>
               <a:t>BookParser</a:t>
             </a:r>
-            <a:endParaRPr lang="en-SG" sz="1600" dirty="0">
+            <a:endParaRPr lang="en-SG" sz="2000" dirty="0">
               <a:solidFill>
                 <a:schemeClr val="bg1"/>
               </a:solidFill>
@@ -3732,8 +3758,8 @@
         </p:nvCxnSpPr>
         <p:spPr>
           <a:xfrm>
-            <a:off x="4050587" y="907617"/>
-            <a:ext cx="0" cy="1482984"/>
+            <a:off x="5291512" y="1270664"/>
+            <a:ext cx="0" cy="2076178"/>
           </a:xfrm>
           <a:prstGeom prst="line">
             <a:avLst/>
@@ -3769,8 +3795,8 @@
         </p:nvSpPr>
         <p:spPr>
           <a:xfrm>
-            <a:off x="3978580" y="1365810"/>
-            <a:ext cx="154408" cy="767790"/>
+            <a:off x="5185477" y="1912134"/>
+            <a:ext cx="227376" cy="1074906"/>
           </a:xfrm>
           <a:prstGeom prst="rect">
             <a:avLst/>
@@ -3800,15 +3826,11 @@
           </a:fontRef>
         </p:style>
         <p:txBody>
-          <a:bodyPr rtlCol="0" anchor="ctr"/>
+          <a:bodyPr lIns="128016" tIns="64008" rIns="128016" bIns="64008" rtlCol="0" anchor="ctr"/>
           <a:lstStyle/>
           <a:p>
             <a:pPr algn="ctr"/>
-            <a:endParaRPr lang="en-SG" sz="1400">
-              <a:solidFill>
-                <a:schemeClr val="dk1"/>
-              </a:solidFill>
-            </a:endParaRPr>
+            <a:endParaRPr lang="en-SG" sz="2000" dirty="0"/>
           </a:p>
         </p:txBody>
       </p:sp>
@@ -3822,9 +3844,9 @@
           <p:nvPr/>
         </p:nvCxnSpPr>
         <p:spPr>
-          <a:xfrm>
-            <a:off x="5602082" y="1613633"/>
-            <a:ext cx="0" cy="2332268"/>
+          <a:xfrm flipH="1">
+            <a:off x="7150424" y="2259090"/>
+            <a:ext cx="31005" cy="3558855"/>
           </a:xfrm>
           <a:prstGeom prst="line">
             <a:avLst/>
@@ -3860,8 +3882,8 @@
         </p:nvSpPr>
         <p:spPr>
           <a:xfrm>
-            <a:off x="5525882" y="1613633"/>
-            <a:ext cx="152400" cy="276003"/>
+            <a:off x="7069217" y="2259087"/>
+            <a:ext cx="224420" cy="386404"/>
           </a:xfrm>
           <a:prstGeom prst="rect">
             <a:avLst/>
@@ -3891,11 +3913,11 @@
           </a:fontRef>
         </p:style>
         <p:txBody>
-          <a:bodyPr rtlCol="0" anchor="ctr"/>
+          <a:bodyPr lIns="128016" tIns="64008" rIns="128016" bIns="64008" rtlCol="0" anchor="ctr"/>
           <a:lstStyle/>
           <a:p>
             <a:pPr algn="ctr"/>
-            <a:endParaRPr lang="en-SG" sz="1400"/>
+            <a:endParaRPr lang="en-SG" sz="2000" dirty="0"/>
           </a:p>
         </p:txBody>
       </p:sp>
@@ -3907,8 +3929,8 @@
         </p:nvCxnSpPr>
         <p:spPr>
           <a:xfrm>
-            <a:off x="419100" y="1261999"/>
-            <a:ext cx="1119851" cy="0"/>
+            <a:off x="-56103" y="1766799"/>
+            <a:ext cx="1649058" cy="0"/>
           </a:xfrm>
           <a:prstGeom prst="straightConnector1">
             <a:avLst/>
@@ -3943,8 +3965,8 @@
         </p:nvSpPr>
         <p:spPr>
           <a:xfrm>
-            <a:off x="-685800" y="990600"/>
-            <a:ext cx="2148746" cy="215444"/>
+            <a:off x="0" y="1295400"/>
+            <a:ext cx="1582088" cy="523220"/>
           </a:xfrm>
           <a:prstGeom prst="rect">
             <a:avLst/>
@@ -3959,7 +3981,7 @@
           <a:p>
             <a:pPr algn="r"/>
             <a:r>
-              <a:rPr lang="en-US" sz="1400" dirty="0">
+              <a:rPr lang="en-US" sz="1700" dirty="0">
                 <a:solidFill>
                   <a:srgbClr val="0070C0"/>
                 </a:solidFill>
@@ -3977,8 +3999,8 @@
         </p:nvCxnSpPr>
         <p:spPr>
           <a:xfrm flipV="1">
-            <a:off x="4135972" y="1512340"/>
-            <a:ext cx="922392" cy="1"/>
+            <a:off x="5417249" y="2117281"/>
+            <a:ext cx="978711" cy="1"/>
           </a:xfrm>
           <a:prstGeom prst="straightConnector1">
             <a:avLst/>
@@ -4013,8 +4035,8 @@
         </p:nvSpPr>
         <p:spPr>
           <a:xfrm>
-            <a:off x="3243421" y="2484071"/>
-            <a:ext cx="855809" cy="215444"/>
+            <a:off x="4141787" y="3505200"/>
+            <a:ext cx="1260239" cy="261610"/>
           </a:xfrm>
           <a:prstGeom prst="rect">
             <a:avLst/>
@@ -4039,7 +4061,7 @@
           </a:lstStyle>
           <a:p>
             <a:r>
-              <a:rPr lang="en-US" dirty="0"/>
+              <a:rPr lang="en-US" sz="1700" dirty="0"/>
               <a:t>execute()</a:t>
             </a:r>
           </a:p>
@@ -4048,13 +4070,15 @@
       <p:cxnSp>
         <p:nvCxnSpPr>
           <p:cNvPr id="34" name="Straight Arrow Connector 33"/>
-          <p:cNvCxnSpPr/>
+          <p:cNvCxnSpPr>
+            <a:endCxn id="21" idx="2"/>
+          </p:cNvCxnSpPr>
           <p:nvPr/>
         </p:nvCxnSpPr>
         <p:spPr>
           <a:xfrm>
-            <a:off x="4109108" y="1878232"/>
-            <a:ext cx="1492974" cy="0"/>
+            <a:off x="5377688" y="2629525"/>
+            <a:ext cx="1803739" cy="15966"/>
           </a:xfrm>
           <a:prstGeom prst="straightConnector1">
             <a:avLst/>
@@ -4093,8 +4117,8 @@
         </p:nvCxnSpPr>
         <p:spPr>
           <a:xfrm>
-            <a:off x="1691351" y="2133600"/>
-            <a:ext cx="2348067" cy="0"/>
+            <a:off x="1817374" y="2987040"/>
+            <a:ext cx="3457692" cy="0"/>
           </a:xfrm>
           <a:prstGeom prst="straightConnector1">
             <a:avLst/>
@@ -4131,8 +4155,8 @@
         </p:nvCxnSpPr>
         <p:spPr>
           <a:xfrm>
-            <a:off x="414908" y="4343400"/>
-            <a:ext cx="1196051" cy="0"/>
+            <a:off x="0" y="6080760"/>
+            <a:ext cx="1698991" cy="0"/>
           </a:xfrm>
           <a:prstGeom prst="straightConnector1">
             <a:avLst/>
@@ -4169,8 +4193,8 @@
         </p:nvSpPr>
         <p:spPr>
           <a:xfrm>
-            <a:off x="5526488" y="2731313"/>
-            <a:ext cx="151794" cy="939047"/>
+            <a:off x="7058735" y="3823837"/>
+            <a:ext cx="293042" cy="1723522"/>
           </a:xfrm>
           <a:prstGeom prst="rect">
             <a:avLst/>
@@ -4200,11 +4224,11 @@
           </a:fontRef>
         </p:style>
         <p:txBody>
-          <a:bodyPr rtlCol="0" anchor="ctr"/>
+          <a:bodyPr lIns="128016" tIns="64008" rIns="128016" bIns="64008" rtlCol="0" anchor="ctr"/>
           <a:lstStyle/>
           <a:p>
             <a:pPr algn="ctr"/>
-            <a:endParaRPr lang="en-SG" sz="1400"/>
+            <a:endParaRPr lang="en-SG" sz="2000" dirty="0"/>
           </a:p>
         </p:txBody>
       </p:sp>
@@ -4218,8 +4242,8 @@
         </p:nvCxnSpPr>
         <p:spPr>
           <a:xfrm>
-            <a:off x="7125479" y="3429000"/>
-            <a:ext cx="1360630" cy="10571"/>
+            <a:off x="11456987" y="4267200"/>
+            <a:ext cx="990600" cy="0"/>
           </a:xfrm>
           <a:prstGeom prst="straightConnector1">
             <a:avLst/>
@@ -4254,8 +4278,8 @@
         </p:nvSpPr>
         <p:spPr>
           <a:xfrm>
-            <a:off x="1689590" y="914400"/>
-            <a:ext cx="2212983" cy="430887"/>
+            <a:off x="1907567" y="1600200"/>
+            <a:ext cx="3258771" cy="261610"/>
           </a:xfrm>
           <a:prstGeom prst="rect">
             <a:avLst/>
@@ -4280,11 +4304,11 @@
           </a:lstStyle>
           <a:p>
             <a:r>
-              <a:rPr lang="en-US" dirty="0" err="1"/>
+              <a:rPr lang="en-US" sz="1700" dirty="0" err="1"/>
               <a:t>parseCommand</a:t>
             </a:r>
             <a:r>
-              <a:rPr lang="en-US" dirty="0"/>
+              <a:rPr lang="en-US" sz="1700" dirty="0"/>
               <a:t>(“location INDEX”)</a:t>
             </a:r>
           </a:p>
@@ -4298,8 +4322,8 @@
         </p:nvSpPr>
         <p:spPr>
           <a:xfrm>
-            <a:off x="7826988" y="2782109"/>
-            <a:ext cx="1590354" cy="461538"/>
+            <a:off x="11990387" y="3505200"/>
+            <a:ext cx="1219201" cy="646153"/>
           </a:xfrm>
           <a:prstGeom prst="rect">
             <a:avLst/>
@@ -4329,19 +4353,19 @@
           </a:fontRef>
         </p:style>
         <p:txBody>
-          <a:bodyPr rtlCol="0" anchor="ctr"/>
+          <a:bodyPr lIns="128016" tIns="64008" rIns="128016" bIns="64008" rtlCol="0" anchor="ctr"/>
           <a:lstStyle/>
           <a:p>
             <a:pPr algn="ctr"/>
             <a:r>
-              <a:rPr lang="en-US" sz="1600" dirty="0">
+              <a:rPr lang="en-US" sz="2000" dirty="0">
                 <a:solidFill>
                   <a:schemeClr val="bg1"/>
                 </a:solidFill>
               </a:rPr>
               <a:t>:BrowserPanel</a:t>
             </a:r>
-            <a:endParaRPr lang="en-SG" sz="1600" dirty="0">
+            <a:endParaRPr lang="en-SG" sz="2000" dirty="0">
               <a:solidFill>
                 <a:schemeClr val="bg1"/>
               </a:solidFill>
@@ -4351,14 +4375,54 @@
       </p:sp>
       <p:sp>
         <p:nvSpPr>
-          <p:cNvPr id="86" name="Rectangle 85"/>
+          <p:cNvPr id="93" name="TextBox 92"/>
+          <p:cNvSpPr txBox="1"/>
+          <p:nvPr/>
+        </p:nvSpPr>
+        <p:spPr>
+          <a:xfrm>
+            <a:off x="3339188" y="2668110"/>
+            <a:ext cx="324470" cy="261610"/>
+          </a:xfrm>
+          <a:prstGeom prst="rect">
+            <a:avLst/>
+          </a:prstGeom>
+          <a:noFill/>
+        </p:spPr>
+        <p:txBody>
+          <a:bodyPr wrap="square" lIns="0" tIns="0" rIns="0" bIns="0" rtlCol="0">
+            <a:spAutoFit/>
+          </a:bodyPr>
+          <a:lstStyle>
+            <a:defPPr>
+              <a:defRPr lang="en-US"/>
+            </a:defPPr>
+            <a:lvl1pPr algn="r">
+              <a:defRPr sz="1400">
+                <a:solidFill>
+                  <a:srgbClr val="0070C0"/>
+                </a:solidFill>
+              </a:defRPr>
+            </a:lvl1pPr>
+          </a:lstStyle>
+          <a:p>
+            <a:r>
+              <a:rPr lang="en-US" sz="1700" dirty="0"/>
+              <a:t>u</a:t>
+            </a:r>
+          </a:p>
+        </p:txBody>
+      </p:sp>
+      <p:sp>
+        <p:nvSpPr>
+          <p:cNvPr id="40" name="Rectangle 62"/>
           <p:cNvSpPr/>
           <p:nvPr/>
         </p:nvSpPr>
         <p:spPr>
           <a:xfrm>
-            <a:off x="8514207" y="3442802"/>
-            <a:ext cx="152400" cy="673200"/>
+            <a:off x="10466387" y="2590800"/>
+            <a:ext cx="1676400" cy="609600"/>
           </a:xfrm>
           <a:prstGeom prst="rect">
             <a:avLst/>
@@ -4366,7 +4430,7 @@
           <a:solidFill>
             <a:srgbClr val="0070C0"/>
           </a:solidFill>
-          <a:ln>
+          <a:ln w="19050">
             <a:solidFill>
               <a:srgbClr val="0070C0"/>
             </a:solidFill>
@@ -4375,39 +4439,90 @@
         </p:spPr>
         <p:style>
           <a:lnRef idx="1">
-            <a:schemeClr val="accent3"/>
+            <a:schemeClr val="accent2"/>
           </a:lnRef>
           <a:fillRef idx="2">
-            <a:schemeClr val="accent3"/>
+            <a:schemeClr val="accent2"/>
           </a:fillRef>
           <a:effectRef idx="1">
-            <a:schemeClr val="accent3"/>
+            <a:schemeClr val="accent2"/>
           </a:effectRef>
           <a:fontRef idx="minor">
             <a:schemeClr val="dk1"/>
           </a:fontRef>
         </p:style>
         <p:txBody>
-          <a:bodyPr rtlCol="0" anchor="ctr"/>
+          <a:bodyPr lIns="128016" tIns="64008" rIns="128016" bIns="64008" rtlCol="0" anchor="ctr"/>
           <a:lstStyle/>
           <a:p>
             <a:pPr algn="ctr"/>
-            <a:endParaRPr lang="en-SG" sz="1400"/>
+            <a:r>
+              <a:rPr lang="en-US" sz="2000" dirty="0">
+                <a:solidFill>
+                  <a:schemeClr val="bg1"/>
+                </a:solidFill>
+              </a:rPr>
+              <a:t>:Events Center</a:t>
+            </a:r>
+            <a:endParaRPr lang="en-SG" sz="2000" dirty="0">
+              <a:solidFill>
+                <a:schemeClr val="bg1"/>
+              </a:solidFill>
+            </a:endParaRPr>
           </a:p>
         </p:txBody>
       </p:sp>
       <p:cxnSp>
         <p:nvCxnSpPr>
-          <p:cNvPr id="90" name="Straight Arrow Connector 89"/>
+          <p:cNvPr id="46" name="Straight Connector 45"/>
           <p:cNvCxnSpPr>
             <a:cxnSpLocks/>
           </p:cNvCxnSpPr>
           <p:nvPr/>
         </p:nvCxnSpPr>
         <p:spPr>
+          <a:xfrm>
+            <a:off x="11304587" y="3200400"/>
+            <a:ext cx="34691" cy="2289930"/>
+          </a:xfrm>
+          <a:prstGeom prst="line">
+            <a:avLst/>
+          </a:prstGeom>
+          <a:ln w="19050">
+            <a:solidFill>
+              <a:srgbClr val="0070C0"/>
+            </a:solidFill>
+            <a:prstDash val="sysDash"/>
+          </a:ln>
+          <a:effectLst/>
+        </p:spPr>
+        <p:style>
+          <a:lnRef idx="1">
+            <a:schemeClr val="accent1"/>
+          </a:lnRef>
+          <a:fillRef idx="2">
+            <a:schemeClr val="accent1"/>
+          </a:fillRef>
+          <a:effectRef idx="1">
+            <a:schemeClr val="accent1"/>
+          </a:effectRef>
+          <a:fontRef idx="minor">
+            <a:schemeClr val="dk1"/>
+          </a:fontRef>
+        </p:style>
+      </p:cxnSp>
+      <p:cxnSp>
+        <p:nvCxnSpPr>
+          <p:cNvPr id="50" name="Straight Arrow Connector 49"/>
+          <p:cNvCxnSpPr>
+            <a:cxnSpLocks/>
+          </p:cNvCxnSpPr>
+          <p:nvPr/>
+        </p:nvCxnSpPr>
+        <p:spPr>
           <a:xfrm flipV="1">
-            <a:off x="1708245" y="4116002"/>
-            <a:ext cx="6825102" cy="39670"/>
+            <a:off x="7293636" y="3947165"/>
+            <a:ext cx="1683147" cy="1"/>
           </a:xfrm>
           <a:prstGeom prst="straightConnector1">
             <a:avLst/>
@@ -4416,9 +4531,7 @@
             <a:solidFill>
               <a:srgbClr val="0070C0"/>
             </a:solidFill>
-            <a:prstDash val="sysDash"/>
-            <a:headEnd type="arrow" w="med" len="med"/>
-            <a:tailEnd type="none" w="med" len="med"/>
+            <a:tailEnd type="arrow"/>
           </a:ln>
         </p:spPr>
         <p:style>
@@ -4438,54 +4551,14 @@
       </p:cxnSp>
       <p:sp>
         <p:nvSpPr>
-          <p:cNvPr id="93" name="TextBox 92"/>
-          <p:cNvSpPr txBox="1"/>
-          <p:nvPr/>
-        </p:nvSpPr>
-        <p:spPr>
-          <a:xfrm>
-            <a:off x="2724792" y="1905793"/>
-            <a:ext cx="220343" cy="215444"/>
-          </a:xfrm>
-          <a:prstGeom prst="rect">
-            <a:avLst/>
-          </a:prstGeom>
-          <a:noFill/>
-        </p:spPr>
-        <p:txBody>
-          <a:bodyPr wrap="square" lIns="0" tIns="0" rIns="0" bIns="0" rtlCol="0">
-            <a:spAutoFit/>
-          </a:bodyPr>
-          <a:lstStyle>
-            <a:defPPr>
-              <a:defRPr lang="en-US"/>
-            </a:defPPr>
-            <a:lvl1pPr algn="r">
-              <a:defRPr sz="1400">
-                <a:solidFill>
-                  <a:srgbClr val="0070C0"/>
-                </a:solidFill>
-              </a:defRPr>
-            </a:lvl1pPr>
-          </a:lstStyle>
-          <a:p>
-            <a:r>
-              <a:rPr lang="en-US" dirty="0"/>
-              <a:t>u</a:t>
-            </a:r>
-          </a:p>
-        </p:txBody>
-      </p:sp>
-      <p:sp>
-        <p:nvSpPr>
-          <p:cNvPr id="40" name="Rectangle 62"/>
+          <p:cNvPr id="19" name="Rectangle 62"/>
           <p:cNvSpPr/>
           <p:nvPr/>
         </p:nvSpPr>
         <p:spPr>
           <a:xfrm>
-            <a:off x="6059560" y="2230345"/>
-            <a:ext cx="1778201" cy="432035"/>
+            <a:off x="6395960" y="1764378"/>
+            <a:ext cx="1610453" cy="646153"/>
           </a:xfrm>
           <a:prstGeom prst="rect">
             <a:avLst/>
@@ -4515,228 +4588,12 @@
           </a:fontRef>
         </p:style>
         <p:txBody>
-          <a:bodyPr rtlCol="0" anchor="ctr"/>
+          <a:bodyPr lIns="128016" tIns="64008" rIns="128016" bIns="64008" rtlCol="0" anchor="ctr"/>
           <a:lstStyle/>
           <a:p>
             <a:pPr algn="ctr"/>
             <a:r>
-              <a:rPr lang="en-US" sz="1600" dirty="0">
-                <a:solidFill>
-                  <a:schemeClr val="bg1"/>
-                </a:solidFill>
-              </a:rPr>
-              <a:t>:Events Center</a:t>
-            </a:r>
-            <a:endParaRPr lang="en-SG" sz="1600" dirty="0">
-              <a:solidFill>
-                <a:schemeClr val="bg1"/>
-              </a:solidFill>
-            </a:endParaRPr>
-          </a:p>
-        </p:txBody>
-      </p:sp>
-      <p:cxnSp>
-        <p:nvCxnSpPr>
-          <p:cNvPr id="46" name="Straight Connector 45"/>
-          <p:cNvCxnSpPr>
-            <a:cxnSpLocks/>
-          </p:cNvCxnSpPr>
-          <p:nvPr/>
-        </p:nvCxnSpPr>
-        <p:spPr>
-          <a:xfrm>
-            <a:off x="6990448" y="2653306"/>
-            <a:ext cx="30103" cy="1245492"/>
-          </a:xfrm>
-          <a:prstGeom prst="line">
-            <a:avLst/>
-          </a:prstGeom>
-          <a:ln w="19050">
-            <a:solidFill>
-              <a:srgbClr val="0070C0"/>
-            </a:solidFill>
-            <a:prstDash val="sysDash"/>
-          </a:ln>
-          <a:effectLst/>
-        </p:spPr>
-        <p:style>
-          <a:lnRef idx="1">
-            <a:schemeClr val="accent1"/>
-          </a:lnRef>
-          <a:fillRef idx="2">
-            <a:schemeClr val="accent1"/>
-          </a:fillRef>
-          <a:effectRef idx="1">
-            <a:schemeClr val="accent1"/>
-          </a:effectRef>
-          <a:fontRef idx="minor">
-            <a:schemeClr val="dk1"/>
-          </a:fontRef>
-        </p:style>
-      </p:cxnSp>
-      <p:sp>
-        <p:nvSpPr>
-          <p:cNvPr id="49" name="Rectangle 48"/>
-          <p:cNvSpPr/>
-          <p:nvPr/>
-        </p:nvSpPr>
-        <p:spPr>
-          <a:xfrm>
-            <a:off x="6887526" y="2958108"/>
-            <a:ext cx="266051" cy="698400"/>
-          </a:xfrm>
-          <a:prstGeom prst="rect">
-            <a:avLst/>
-          </a:prstGeom>
-          <a:solidFill>
-            <a:srgbClr val="0070C0"/>
-          </a:solidFill>
-          <a:ln>
-            <a:solidFill>
-              <a:srgbClr val="0070C0"/>
-            </a:solidFill>
-          </a:ln>
-          <a:effectLst/>
-        </p:spPr>
-        <p:style>
-          <a:lnRef idx="1">
-            <a:schemeClr val="accent3"/>
-          </a:lnRef>
-          <a:fillRef idx="2">
-            <a:schemeClr val="accent3"/>
-          </a:fillRef>
-          <a:effectRef idx="1">
-            <a:schemeClr val="accent3"/>
-          </a:effectRef>
-          <a:fontRef idx="minor">
-            <a:schemeClr val="dk1"/>
-          </a:fontRef>
-        </p:style>
-        <p:txBody>
-          <a:bodyPr rtlCol="0" anchor="ctr"/>
-          <a:lstStyle/>
-          <a:p>
-            <a:pPr algn="ctr"/>
-            <a:endParaRPr lang="en-SG" sz="1400"/>
-          </a:p>
-        </p:txBody>
-      </p:sp>
-      <p:cxnSp>
-        <p:nvCxnSpPr>
-          <p:cNvPr id="50" name="Straight Arrow Connector 49"/>
-          <p:cNvCxnSpPr>
-            <a:cxnSpLocks/>
-          </p:cNvCxnSpPr>
-          <p:nvPr/>
-        </p:nvCxnSpPr>
-        <p:spPr>
-          <a:xfrm>
-            <a:off x="5685755" y="2975344"/>
-            <a:ext cx="1210345" cy="0"/>
-          </a:xfrm>
-          <a:prstGeom prst="straightConnector1">
-            <a:avLst/>
-          </a:prstGeom>
-          <a:ln w="19050">
-            <a:solidFill>
-              <a:srgbClr val="0070C0"/>
-            </a:solidFill>
-            <a:tailEnd type="arrow"/>
-          </a:ln>
-        </p:spPr>
-        <p:style>
-          <a:lnRef idx="1">
-            <a:schemeClr val="accent1"/>
-          </a:lnRef>
-          <a:fillRef idx="0">
-            <a:schemeClr val="accent1"/>
-          </a:fillRef>
-          <a:effectRef idx="0">
-            <a:schemeClr val="accent1"/>
-          </a:effectRef>
-          <a:fontRef idx="minor">
-            <a:schemeClr val="tx1"/>
-          </a:fontRef>
-        </p:style>
-      </p:cxnSp>
-      <p:sp>
-        <p:nvSpPr>
-          <p:cNvPr id="4" name="TextBox 3"/>
-          <p:cNvSpPr txBox="1"/>
-          <p:nvPr/>
-        </p:nvSpPr>
-        <p:spPr>
-          <a:xfrm>
-            <a:off x="5488661" y="3894062"/>
-            <a:ext cx="258404" cy="261610"/>
-          </a:xfrm>
-          <a:prstGeom prst="rect">
-            <a:avLst/>
-          </a:prstGeom>
-          <a:noFill/>
-        </p:spPr>
-        <p:txBody>
-          <a:bodyPr wrap="none" rtlCol="0">
-            <a:spAutoFit/>
-          </a:bodyPr>
-          <a:lstStyle/>
-          <a:p>
-            <a:r>
-              <a:rPr lang="en-SG" sz="1100" dirty="0">
-                <a:solidFill>
-                  <a:srgbClr val="002060"/>
-                </a:solidFill>
-              </a:rPr>
-              <a:t>X</a:t>
-            </a:r>
-          </a:p>
-        </p:txBody>
-      </p:sp>
-      <p:sp>
-        <p:nvSpPr>
-          <p:cNvPr id="19" name="Rectangle 62"/>
-          <p:cNvSpPr/>
-          <p:nvPr/>
-        </p:nvSpPr>
-        <p:spPr>
-          <a:xfrm>
-            <a:off x="5035976" y="1260268"/>
-            <a:ext cx="1093635" cy="461538"/>
-          </a:xfrm>
-          <a:prstGeom prst="rect">
-            <a:avLst/>
-          </a:prstGeom>
-          <a:solidFill>
-            <a:srgbClr val="0070C0"/>
-          </a:solidFill>
-          <a:ln w="19050">
-            <a:solidFill>
-              <a:srgbClr val="0070C0"/>
-            </a:solidFill>
-          </a:ln>
-          <a:effectLst/>
-        </p:spPr>
-        <p:style>
-          <a:lnRef idx="1">
-            <a:schemeClr val="accent2"/>
-          </a:lnRef>
-          <a:fillRef idx="2">
-            <a:schemeClr val="accent2"/>
-          </a:fillRef>
-          <a:effectRef idx="1">
-            <a:schemeClr val="accent2"/>
-          </a:effectRef>
-          <a:fontRef idx="minor">
-            <a:schemeClr val="dk1"/>
-          </a:fontRef>
-        </p:style>
-        <p:txBody>
-          <a:bodyPr rtlCol="0" anchor="ctr"/>
-          <a:lstStyle/>
-          <a:p>
-            <a:pPr algn="ctr"/>
-            <a:r>
-              <a:rPr lang="en-US" sz="1600" dirty="0">
+              <a:rPr lang="en-US" sz="2200" dirty="0">
                 <a:solidFill>
                   <a:schemeClr val="bg1"/>
                 </a:solidFill>
@@ -4744,21 +4601,21 @@
               <a:t>u:Location</a:t>
             </a:r>
             <a:br>
-              <a:rPr lang="en-US" sz="1600" dirty="0">
+              <a:rPr lang="en-US" sz="2200" dirty="0">
                 <a:solidFill>
                   <a:schemeClr val="bg1"/>
                 </a:solidFill>
               </a:rPr>
             </a:br>
             <a:r>
-              <a:rPr lang="en-US" sz="1600" dirty="0">
+              <a:rPr lang="en-US" sz="2200" dirty="0">
                 <a:solidFill>
                   <a:schemeClr val="bg1"/>
                 </a:solidFill>
               </a:rPr>
               <a:t>Command</a:t>
             </a:r>
-            <a:endParaRPr lang="en-SG" sz="1600" dirty="0">
+            <a:endParaRPr lang="en-SG" sz="2200" dirty="0">
               <a:solidFill>
                 <a:schemeClr val="bg1"/>
               </a:solidFill>
@@ -4771,7 +4628,7 @@
           <p:cNvPr id="66" name="Straight Arrow Connector 65">
             <a:extLst>
               <a:ext uri="{FF2B5EF4-FFF2-40B4-BE49-F238E27FC236}">
-                <a16:creationId xmlns:a16="http://schemas.microsoft.com/office/drawing/2014/main" id="{39916E2E-195A-4DC8-B025-B05FA87E6796}"/>
+                <a16:creationId xmlns="" xmlns:a16="http://schemas.microsoft.com/office/drawing/2014/main" id="{39916E2E-195A-4DC8-B025-B05FA87E6796}"/>
               </a:ext>
             </a:extLst>
           </p:cNvPr>
@@ -4782,8 +4639,8 @@
         </p:nvCxnSpPr>
         <p:spPr>
           <a:xfrm>
-            <a:off x="1691351" y="2731314"/>
-            <a:ext cx="3832164" cy="1"/>
+            <a:off x="1779587" y="3810000"/>
+            <a:ext cx="5289632" cy="13840"/>
           </a:xfrm>
           <a:prstGeom prst="straightConnector1">
             <a:avLst/>
@@ -4815,7 +4672,7 @@
           <p:cNvPr id="67" name="Straight Arrow Connector 66">
             <a:extLst>
               <a:ext uri="{FF2B5EF4-FFF2-40B4-BE49-F238E27FC236}">
-                <a16:creationId xmlns:a16="http://schemas.microsoft.com/office/drawing/2014/main" id="{D881596E-177C-4FDC-8E60-CAB90B3D5FAB}"/>
+                <a16:creationId xmlns="" xmlns:a16="http://schemas.microsoft.com/office/drawing/2014/main" id="{D881596E-177C-4FDC-8E60-CAB90B3D5FAB}"/>
               </a:ext>
             </a:extLst>
           </p:cNvPr>
@@ -4826,8 +4683,8 @@
         </p:nvCxnSpPr>
         <p:spPr>
           <a:xfrm>
-            <a:off x="1708245" y="1363918"/>
-            <a:ext cx="2256705" cy="1"/>
+            <a:off x="1842253" y="1909487"/>
+            <a:ext cx="3323155" cy="1"/>
           </a:xfrm>
           <a:prstGeom prst="straightConnector1">
             <a:avLst/>
@@ -4859,7 +4716,7 @@
           <p:cNvPr id="74" name="Straight Arrow Connector 73">
             <a:extLst>
               <a:ext uri="{FF2B5EF4-FFF2-40B4-BE49-F238E27FC236}">
-                <a16:creationId xmlns:a16="http://schemas.microsoft.com/office/drawing/2014/main" id="{854D9FBB-2B36-4DC9-8B58-F7F177A8E586}"/>
+                <a16:creationId xmlns="" xmlns:a16="http://schemas.microsoft.com/office/drawing/2014/main" id="{854D9FBB-2B36-4DC9-8B58-F7F177A8E586}"/>
               </a:ext>
             </a:extLst>
           </p:cNvPr>
@@ -4870,8 +4727,91 @@
         </p:nvCxnSpPr>
         <p:spPr>
           <a:xfrm>
-            <a:off x="5731284" y="3670360"/>
-            <a:ext cx="1128490" cy="0"/>
+            <a:off x="7405847" y="5440680"/>
+            <a:ext cx="1549570" cy="0"/>
+          </a:xfrm>
+          <a:prstGeom prst="straightConnector1">
+            <a:avLst/>
+          </a:prstGeom>
+          <a:ln>
+            <a:prstDash val="lgDash"/>
+            <a:headEnd type="arrow" w="med" len="med"/>
+            <a:tailEnd type="none" w="med" len="med"/>
+          </a:ln>
+        </p:spPr>
+        <p:style>
+          <a:lnRef idx="1">
+            <a:schemeClr val="accent4"/>
+          </a:lnRef>
+          <a:fillRef idx="0">
+            <a:schemeClr val="accent4"/>
+          </a:fillRef>
+          <a:effectRef idx="0">
+            <a:schemeClr val="accent4"/>
+          </a:effectRef>
+          <a:fontRef idx="minor">
+            <a:schemeClr val="tx1"/>
+          </a:fontRef>
+        </p:style>
+      </p:cxnSp>
+      <p:cxnSp>
+        <p:nvCxnSpPr>
+          <p:cNvPr id="89" name="Straight Connector 88">
+            <a:extLst>
+              <a:ext uri="{FF2B5EF4-FFF2-40B4-BE49-F238E27FC236}">
+                <a16:creationId xmlns="" xmlns:a16="http://schemas.microsoft.com/office/drawing/2014/main" id="{E4E1C8CA-49DF-45D8-80A5-D5C8282EE927}"/>
+              </a:ext>
+            </a:extLst>
+          </p:cNvPr>
+          <p:cNvCxnSpPr>
+            <a:cxnSpLocks/>
+          </p:cNvCxnSpPr>
+          <p:nvPr/>
+        </p:nvCxnSpPr>
+        <p:spPr>
+          <a:xfrm>
+            <a:off x="12523787" y="3962400"/>
+            <a:ext cx="0" cy="1717565"/>
+          </a:xfrm>
+          <a:prstGeom prst="line">
+            <a:avLst/>
+          </a:prstGeom>
+          <a:ln w="19050">
+            <a:solidFill>
+              <a:srgbClr val="0070C0"/>
+            </a:solidFill>
+            <a:prstDash val="sysDash"/>
+          </a:ln>
+          <a:effectLst/>
+        </p:spPr>
+        <p:style>
+          <a:lnRef idx="1">
+            <a:schemeClr val="accent1"/>
+          </a:lnRef>
+          <a:fillRef idx="2">
+            <a:schemeClr val="accent1"/>
+          </a:fillRef>
+          <a:effectRef idx="1">
+            <a:schemeClr val="accent1"/>
+          </a:effectRef>
+          <a:fontRef idx="minor">
+            <a:schemeClr val="dk1"/>
+          </a:fontRef>
+        </p:style>
+      </p:cxnSp>
+      <p:cxnSp>
+        <p:nvCxnSpPr>
+          <p:cNvPr id="36" name="Straight Arrow Connector 35"/>
+          <p:cNvCxnSpPr>
+            <a:cxnSpLocks/>
+            <a:endCxn id="52" idx="2"/>
+          </p:cNvCxnSpPr>
+          <p:nvPr/>
+        </p:nvCxnSpPr>
+        <p:spPr>
+          <a:xfrm>
+            <a:off x="11456987" y="5105400"/>
+            <a:ext cx="1103257" cy="15240"/>
           </a:xfrm>
           <a:prstGeom prst="straightConnector1">
             <a:avLst/>
@@ -4900,12 +4840,106 @@
           </a:fontRef>
         </p:style>
       </p:cxnSp>
+      <p:sp>
+        <p:nvSpPr>
+          <p:cNvPr id="44" name="Rectangle 43"/>
+          <p:cNvSpPr/>
+          <p:nvPr/>
+        </p:nvSpPr>
+        <p:spPr>
+          <a:xfrm>
+            <a:off x="11228387" y="4038600"/>
+            <a:ext cx="223528" cy="1314674"/>
+          </a:xfrm>
+          <a:prstGeom prst="rect">
+            <a:avLst/>
+          </a:prstGeom>
+          <a:solidFill>
+            <a:srgbClr val="0070C0"/>
+          </a:solidFill>
+          <a:ln>
+            <a:solidFill>
+              <a:srgbClr val="0070C0"/>
+            </a:solidFill>
+          </a:ln>
+          <a:effectLst/>
+        </p:spPr>
+        <p:style>
+          <a:lnRef idx="1">
+            <a:schemeClr val="accent3"/>
+          </a:lnRef>
+          <a:fillRef idx="2">
+            <a:schemeClr val="accent3"/>
+          </a:fillRef>
+          <a:effectRef idx="1">
+            <a:schemeClr val="accent3"/>
+          </a:effectRef>
+          <a:fontRef idx="minor">
+            <a:schemeClr val="dk1"/>
+          </a:fontRef>
+        </p:style>
+        <p:txBody>
+          <a:bodyPr lIns="128016" tIns="64008" rIns="128016" bIns="64008" rtlCol="0" anchor="ctr"/>
+          <a:lstStyle/>
+          <a:p>
+            <a:pPr algn="ctr"/>
+            <a:endParaRPr lang="en-SG" sz="2000" dirty="0"/>
+          </a:p>
+        </p:txBody>
+      </p:sp>
+      <p:sp>
+        <p:nvSpPr>
+          <p:cNvPr id="52" name="Rectangle 51"/>
+          <p:cNvSpPr/>
+          <p:nvPr/>
+        </p:nvSpPr>
+        <p:spPr>
+          <a:xfrm flipH="1">
+            <a:off x="12447587" y="4267200"/>
+            <a:ext cx="225314" cy="853440"/>
+          </a:xfrm>
+          <a:prstGeom prst="rect">
+            <a:avLst/>
+          </a:prstGeom>
+          <a:solidFill>
+            <a:srgbClr val="0070C0"/>
+          </a:solidFill>
+          <a:ln>
+            <a:solidFill>
+              <a:srgbClr val="0070C0"/>
+            </a:solidFill>
+          </a:ln>
+          <a:effectLst/>
+        </p:spPr>
+        <p:style>
+          <a:lnRef idx="1">
+            <a:schemeClr val="accent3"/>
+          </a:lnRef>
+          <a:fillRef idx="2">
+            <a:schemeClr val="accent3"/>
+          </a:fillRef>
+          <a:effectRef idx="1">
+            <a:schemeClr val="accent3"/>
+          </a:effectRef>
+          <a:fontRef idx="minor">
+            <a:schemeClr val="dk1"/>
+          </a:fontRef>
+        </p:style>
+        <p:txBody>
+          <a:bodyPr lIns="128016" tIns="64008" rIns="128016" bIns="64008" rtlCol="0" anchor="ctr"/>
+          <a:lstStyle/>
+          <a:p>
+            <a:pPr algn="ctr"/>
+            <a:endParaRPr lang="en-SG" sz="2000" dirty="0"/>
+          </a:p>
+        </p:txBody>
+      </p:sp>
       <p:cxnSp>
         <p:nvCxnSpPr>
-          <p:cNvPr id="89" name="Straight Connector 88">
+          <p:cNvPr id="55" name="Straight Arrow Connector 54">
             <a:extLst>
               <a:ext uri="{FF2B5EF4-FFF2-40B4-BE49-F238E27FC236}">
-                <a16:creationId xmlns:a16="http://schemas.microsoft.com/office/drawing/2014/main" id="{E4E1C8CA-49DF-45D8-80A5-D5C8282EE927}"/>
+                <a16:creationId xmlns="" xmlns:a16="http://schemas.microsoft.com/office/drawing/2014/main" id="{854D9FBB-2B36-4DC9-8B58-F7F177A8E586}"/>
               </a:ext>
             </a:extLst>
           </p:cNvPr>
@@ -4916,15 +4950,164 @@
         </p:nvCxnSpPr>
         <p:spPr>
           <a:xfrm>
-            <a:off x="8590407" y="3192768"/>
-            <a:ext cx="0" cy="1150632"/>
+            <a:off x="1795358" y="5547360"/>
+            <a:ext cx="5273860" cy="0"/>
+          </a:xfrm>
+          <a:prstGeom prst="straightConnector1">
+            <a:avLst/>
+          </a:prstGeom>
+          <a:ln w="19050">
+            <a:solidFill>
+              <a:srgbClr val="0070C0"/>
+            </a:solidFill>
+            <a:prstDash val="sysDash"/>
+            <a:headEnd type="arrow" w="med" len="med"/>
+            <a:tailEnd type="none" w="med" len="med"/>
+          </a:ln>
+        </p:spPr>
+        <p:style>
+          <a:lnRef idx="1">
+            <a:schemeClr val="accent1"/>
+          </a:lnRef>
+          <a:fillRef idx="0">
+            <a:schemeClr val="accent1"/>
+          </a:fillRef>
+          <a:effectRef idx="0">
+            <a:schemeClr val="accent1"/>
+          </a:effectRef>
+          <a:fontRef idx="minor">
+            <a:schemeClr val="tx1"/>
+          </a:fontRef>
+        </p:style>
+      </p:cxnSp>
+      <p:sp>
+        <p:nvSpPr>
+          <p:cNvPr id="57" name="TextBox 56"/>
+          <p:cNvSpPr txBox="1"/>
+          <p:nvPr/>
+        </p:nvSpPr>
+        <p:spPr>
+          <a:xfrm>
+            <a:off x="4065587" y="5257800"/>
+            <a:ext cx="1260239" cy="523220"/>
+          </a:xfrm>
+          <a:prstGeom prst="rect">
+            <a:avLst/>
+          </a:prstGeom>
+          <a:noFill/>
+        </p:spPr>
+        <p:txBody>
+          <a:bodyPr wrap="square" lIns="0" tIns="0" rIns="0" bIns="0" rtlCol="0">
+            <a:spAutoFit/>
+          </a:bodyPr>
+          <a:lstStyle>
+            <a:defPPr>
+              <a:defRPr lang="en-US"/>
+            </a:defPPr>
+            <a:lvl1pPr algn="r">
+              <a:defRPr sz="1400">
+                <a:solidFill>
+                  <a:srgbClr val="0070C0"/>
+                </a:solidFill>
+              </a:defRPr>
+            </a:lvl1pPr>
+          </a:lstStyle>
+          <a:p>
+            <a:r>
+              <a:rPr lang="en-US" sz="1700" dirty="0" smtClean="0"/>
+              <a:t>result</a:t>
+            </a:r>
+          </a:p>
+          <a:p>
+            <a:endParaRPr lang="en-US" sz="1700" dirty="0"/>
+          </a:p>
+        </p:txBody>
+      </p:sp>
+      <p:sp>
+        <p:nvSpPr>
+          <p:cNvPr id="58" name="Rectangle 62"/>
+          <p:cNvSpPr/>
+          <p:nvPr/>
+        </p:nvSpPr>
+        <p:spPr>
+          <a:xfrm>
+            <a:off x="8527945" y="960120"/>
+            <a:ext cx="1517489" cy="485464"/>
+          </a:xfrm>
+          <a:prstGeom prst="rect">
+            <a:avLst/>
+          </a:prstGeom>
+          <a:solidFill>
+            <a:schemeClr val="accent4">
+              <a:lumMod val="60000"/>
+              <a:lumOff val="40000"/>
+            </a:schemeClr>
+          </a:solidFill>
+          <a:ln w="19050">
+            <a:solidFill>
+              <a:schemeClr val="accent4">
+                <a:lumMod val="60000"/>
+                <a:lumOff val="40000"/>
+              </a:schemeClr>
+            </a:solidFill>
+          </a:ln>
+          <a:effectLst/>
+        </p:spPr>
+        <p:style>
+          <a:lnRef idx="1">
+            <a:schemeClr val="accent2"/>
+          </a:lnRef>
+          <a:fillRef idx="2">
+            <a:schemeClr val="accent2"/>
+          </a:fillRef>
+          <a:effectRef idx="1">
+            <a:schemeClr val="accent2"/>
+          </a:effectRef>
+          <a:fontRef idx="minor">
+            <a:schemeClr val="dk1"/>
+          </a:fontRef>
+        </p:style>
+        <p:txBody>
+          <a:bodyPr lIns="128016" tIns="64008" rIns="128016" bIns="64008" rtlCol="0" anchor="ctr"/>
+          <a:lstStyle/>
+          <a:p>
+            <a:pPr algn="ctr"/>
+            <a:r>
+              <a:rPr lang="en-US" sz="2200" dirty="0">
+                <a:solidFill>
+                  <a:schemeClr val="bg1"/>
+                </a:solidFill>
+              </a:rPr>
+              <a:t>:Model</a:t>
+            </a:r>
+            <a:endParaRPr lang="en-SG" sz="2200" dirty="0">
+              <a:solidFill>
+                <a:schemeClr val="bg1"/>
+              </a:solidFill>
+            </a:endParaRPr>
+          </a:p>
+        </p:txBody>
+      </p:sp>
+      <p:cxnSp>
+        <p:nvCxnSpPr>
+          <p:cNvPr id="59" name="Straight Connector 58"/>
+          <p:cNvCxnSpPr/>
+          <p:nvPr/>
+        </p:nvCxnSpPr>
+        <p:spPr>
+          <a:xfrm>
+            <a:off x="9088993" y="1386840"/>
+            <a:ext cx="0" cy="4267200"/>
           </a:xfrm>
           <a:prstGeom prst="line">
             <a:avLst/>
           </a:prstGeom>
           <a:ln w="19050">
             <a:solidFill>
-              <a:srgbClr val="0070C0"/>
+              <a:schemeClr val="accent4">
+                <a:lumMod val="60000"/>
+                <a:lumOff val="40000"/>
+              </a:schemeClr>
             </a:solidFill>
             <a:prstDash val="sysDash"/>
           </a:ln>
@@ -4945,10 +5128,276 @@
           </a:fontRef>
         </p:style>
       </p:cxnSp>
+      <p:sp>
+        <p:nvSpPr>
+          <p:cNvPr id="61" name="Rectangle 60"/>
+          <p:cNvSpPr/>
+          <p:nvPr/>
+        </p:nvSpPr>
+        <p:spPr>
+          <a:xfrm>
+            <a:off x="8976784" y="3940079"/>
+            <a:ext cx="197696" cy="1500605"/>
+          </a:xfrm>
+          <a:prstGeom prst="rect">
+            <a:avLst/>
+          </a:prstGeom>
+          <a:solidFill>
+            <a:schemeClr val="accent4">
+              <a:lumMod val="60000"/>
+              <a:lumOff val="40000"/>
+            </a:schemeClr>
+          </a:solidFill>
+          <a:ln>
+            <a:solidFill>
+              <a:schemeClr val="accent4">
+                <a:lumMod val="60000"/>
+                <a:lumOff val="40000"/>
+              </a:schemeClr>
+            </a:solidFill>
+          </a:ln>
+          <a:effectLst/>
+        </p:spPr>
+        <p:style>
+          <a:lnRef idx="1">
+            <a:schemeClr val="accent3"/>
+          </a:lnRef>
+          <a:fillRef idx="2">
+            <a:schemeClr val="accent3"/>
+          </a:fillRef>
+          <a:effectRef idx="1">
+            <a:schemeClr val="accent3"/>
+          </a:effectRef>
+          <a:fontRef idx="minor">
+            <a:schemeClr val="dk1"/>
+          </a:fontRef>
+        </p:style>
+        <p:txBody>
+          <a:bodyPr lIns="128016" tIns="64008" rIns="128016" bIns="64008" rtlCol="0" anchor="ctr"/>
+          <a:lstStyle/>
+          <a:p>
+            <a:pPr algn="ctr"/>
+            <a:endParaRPr lang="en-SG" sz="2000" dirty="0"/>
+          </a:p>
+        </p:txBody>
+      </p:sp>
+      <p:sp>
+        <p:nvSpPr>
+          <p:cNvPr id="72" name="TextBox 71"/>
+          <p:cNvSpPr txBox="1"/>
+          <p:nvPr/>
+        </p:nvSpPr>
+        <p:spPr>
+          <a:xfrm>
+            <a:off x="6844797" y="3627120"/>
+            <a:ext cx="2098184" cy="261610"/>
+          </a:xfrm>
+          <a:prstGeom prst="rect">
+            <a:avLst/>
+          </a:prstGeom>
+          <a:noFill/>
+        </p:spPr>
+        <p:txBody>
+          <a:bodyPr wrap="square" lIns="0" tIns="0" rIns="0" bIns="0" rtlCol="0">
+            <a:spAutoFit/>
+          </a:bodyPr>
+          <a:lstStyle>
+            <a:defPPr>
+              <a:defRPr lang="en-US"/>
+            </a:defPPr>
+            <a:lvl1pPr algn="r">
+              <a:defRPr sz="1400">
+                <a:solidFill>
+                  <a:srgbClr val="0070C0"/>
+                </a:solidFill>
+              </a:defRPr>
+            </a:lvl1pPr>
+          </a:lstStyle>
+          <a:p>
+            <a:r>
+              <a:rPr lang="en-US" sz="1700" dirty="0" err="1" smtClean="0">
+                <a:solidFill>
+                  <a:srgbClr val="7030A0"/>
+                </a:solidFill>
+              </a:rPr>
+              <a:t>findLocation</a:t>
+            </a:r>
+            <a:r>
+              <a:rPr lang="en-US" sz="1700" dirty="0" smtClean="0">
+                <a:solidFill>
+                  <a:srgbClr val="7030A0"/>
+                </a:solidFill>
+              </a:rPr>
+              <a:t>(p)</a:t>
+            </a:r>
+            <a:endParaRPr lang="en-US" sz="1700" dirty="0">
+              <a:solidFill>
+                <a:srgbClr val="7030A0"/>
+              </a:solidFill>
+            </a:endParaRPr>
+          </a:p>
+        </p:txBody>
+      </p:sp>
+      <p:cxnSp>
+        <p:nvCxnSpPr>
+          <p:cNvPr id="78" name="Straight Arrow Connector 77"/>
+          <p:cNvCxnSpPr>
+            <a:cxnSpLocks/>
+          </p:cNvCxnSpPr>
+          <p:nvPr/>
+        </p:nvCxnSpPr>
+        <p:spPr>
+          <a:xfrm>
+            <a:off x="9170987" y="4038600"/>
+            <a:ext cx="2027182" cy="0"/>
+          </a:xfrm>
+          <a:prstGeom prst="straightConnector1">
+            <a:avLst/>
+          </a:prstGeom>
+          <a:ln>
+            <a:tailEnd type="arrow"/>
+          </a:ln>
+        </p:spPr>
+        <p:style>
+          <a:lnRef idx="1">
+            <a:schemeClr val="accent4"/>
+          </a:lnRef>
+          <a:fillRef idx="0">
+            <a:schemeClr val="accent4"/>
+          </a:fillRef>
+          <a:effectRef idx="0">
+            <a:schemeClr val="accent4"/>
+          </a:effectRef>
+          <a:fontRef idx="minor">
+            <a:schemeClr val="tx1"/>
+          </a:fontRef>
+        </p:style>
+      </p:cxnSp>
+      <p:cxnSp>
+        <p:nvCxnSpPr>
+          <p:cNvPr id="100" name="Straight Arrow Connector 99"/>
+          <p:cNvCxnSpPr>
+            <a:cxnSpLocks/>
+            <a:endCxn id="44" idx="2"/>
+          </p:cNvCxnSpPr>
+          <p:nvPr/>
+        </p:nvCxnSpPr>
+        <p:spPr>
+          <a:xfrm>
+            <a:off x="9247187" y="5334000"/>
+            <a:ext cx="2092964" cy="19274"/>
+          </a:xfrm>
+          <a:prstGeom prst="straightConnector1">
+            <a:avLst/>
+          </a:prstGeom>
+          <a:ln w="19050">
+            <a:solidFill>
+              <a:srgbClr val="0070C0"/>
+            </a:solidFill>
+            <a:prstDash val="sysDash"/>
+            <a:headEnd type="arrow" w="med" len="med"/>
+            <a:tailEnd type="none" w="med" len="med"/>
+          </a:ln>
+        </p:spPr>
+        <p:style>
+          <a:lnRef idx="1">
+            <a:schemeClr val="accent1"/>
+          </a:lnRef>
+          <a:fillRef idx="0">
+            <a:schemeClr val="accent1"/>
+          </a:fillRef>
+          <a:effectRef idx="0">
+            <a:schemeClr val="accent1"/>
+          </a:effectRef>
+          <a:fontRef idx="minor">
+            <a:schemeClr val="tx1"/>
+          </a:fontRef>
+        </p:style>
+      </p:cxnSp>
+      <p:sp>
+        <p:nvSpPr>
+          <p:cNvPr id="111" name="TextBox 110"/>
+          <p:cNvSpPr txBox="1"/>
+          <p:nvPr/>
+        </p:nvSpPr>
+        <p:spPr>
+          <a:xfrm>
+            <a:off x="8713787" y="3505200"/>
+            <a:ext cx="1905000" cy="523220"/>
+          </a:xfrm>
+          <a:prstGeom prst="rect">
+            <a:avLst/>
+          </a:prstGeom>
+          <a:noFill/>
+        </p:spPr>
+        <p:txBody>
+          <a:bodyPr wrap="square" lIns="0" tIns="0" rIns="0" bIns="0" rtlCol="0">
+            <a:spAutoFit/>
+          </a:bodyPr>
+          <a:lstStyle>
+            <a:defPPr>
+              <a:defRPr lang="en-US"/>
+            </a:defPPr>
+            <a:lvl1pPr algn="r">
+              <a:defRPr sz="1400">
+                <a:solidFill>
+                  <a:srgbClr val="0070C0"/>
+                </a:solidFill>
+              </a:defRPr>
+            </a:lvl1pPr>
+          </a:lstStyle>
+          <a:p>
+            <a:r>
+              <a:rPr lang="en-US" sz="1700" dirty="0" err="1" smtClean="0">
+                <a:solidFill>
+                  <a:srgbClr val="7030A0"/>
+                </a:solidFill>
+              </a:rPr>
+              <a:t>findLocation</a:t>
+            </a:r>
+            <a:endParaRPr lang="en-US" sz="1700" dirty="0" smtClean="0">
+              <a:solidFill>
+                <a:srgbClr val="7030A0"/>
+              </a:solidFill>
+            </a:endParaRPr>
+          </a:p>
+          <a:p>
+            <a:r>
+              <a:rPr lang="en-US" sz="1700" dirty="0" err="1" smtClean="0">
+                <a:solidFill>
+                  <a:srgbClr val="7030A0"/>
+                </a:solidFill>
+              </a:rPr>
+              <a:t>RequestEvent</a:t>
+            </a:r>
+            <a:r>
+              <a:rPr lang="en-US" sz="1700" dirty="0" smtClean="0">
+                <a:solidFill>
+                  <a:srgbClr val="7030A0"/>
+                </a:solidFill>
+              </a:rPr>
+              <a:t>(p</a:t>
+            </a:r>
+            <a:r>
+              <a:rPr lang="en-US" sz="1700" dirty="0" smtClean="0">
+                <a:solidFill>
+                  <a:srgbClr val="7030A0"/>
+                </a:solidFill>
+              </a:rPr>
+              <a:t>)</a:t>
+            </a:r>
+            <a:endParaRPr lang="en-US" sz="1700" dirty="0">
+              <a:solidFill>
+                <a:srgbClr val="7030A0"/>
+              </a:solidFill>
+            </a:endParaRPr>
+          </a:p>
+        </p:txBody>
+      </p:sp>
     </p:spTree>
     <p:extLst>
       <p:ext uri="{BB962C8B-B14F-4D97-AF65-F5344CB8AC3E}">
-        <p14:creationId xmlns:p14="http://schemas.microsoft.com/office/powerpoint/2010/main" val="3945898909"/>
+        <p14:creationId xmlns="" xmlns:p14="http://schemas.microsoft.com/office/powerpoint/2010/main" val="3945898909"/>
       </p:ext>
     </p:extLst>
   </p:cSld>

--- a/docs/diagrams/LocationSequenceDiagram.pptx
+++ b/docs/diagrams/LocationSequenceDiagram.pptx
@@ -109,7 +109,7 @@
   </p:defaultTextStyle>
   <p:extLst>
     <p:ext uri="{EFAFB233-063F-42B5-8137-9DF3F51BA10A}">
-      <p15:sldGuideLst xmlns="" xmlns:p15="http://schemas.microsoft.com/office/powerpoint/2012/main">
+      <p15:sldGuideLst xmlns:p15="http://schemas.microsoft.com/office/powerpoint/2012/main" xmlns="">
         <p15:guide id="1" orient="horz" pos="1488">
           <p15:clr>
             <a:srgbClr val="A4A3A4"/>
@@ -213,7 +213,7 @@
             <a:fld id="{F5CC4B3F-88C1-4FFA-B1B6-F41C21DC6924}" type="datetimeFigureOut">
               <a:rPr lang="en-US" smtClean="0"/>
               <a:pPr/>
-              <a:t>10/30/2017</a:t>
+              <a:t>11/5/2017</a:t>
             </a:fld>
             <a:endParaRPr lang="en-US"/>
           </a:p>
@@ -381,7 +381,7 @@
     </p:spTree>
     <p:extLst>
       <p:ext uri="{BB962C8B-B14F-4D97-AF65-F5344CB8AC3E}">
-        <p14:creationId xmlns="" xmlns:p14="http://schemas.microsoft.com/office/powerpoint/2010/main" val="2023976206"/>
+        <p14:creationId xmlns:p14="http://schemas.microsoft.com/office/powerpoint/2010/main" xmlns="" val="2023976206"/>
       </p:ext>
     </p:extLst>
   </p:cSld>
@@ -661,7 +661,7 @@
             <a:fld id="{78C97017-6FC3-485B-9764-EAC9E56C1D49}" type="datetimeFigureOut">
               <a:rPr lang="en-US" smtClean="0"/>
               <a:pPr/>
-              <a:t>10/30/2017</a:t>
+              <a:t>11/5/2017</a:t>
             </a:fld>
             <a:endParaRPr lang="en-US"/>
           </a:p>
@@ -713,7 +713,7 @@
     </p:spTree>
     <p:extLst>
       <p:ext uri="{BB962C8B-B14F-4D97-AF65-F5344CB8AC3E}">
-        <p14:creationId xmlns="" xmlns:p14="http://schemas.microsoft.com/office/powerpoint/2010/main" val="3246593157"/>
+        <p14:creationId xmlns:p14="http://schemas.microsoft.com/office/powerpoint/2010/main" xmlns="" val="3246593157"/>
       </p:ext>
     </p:extLst>
   </p:cSld>
@@ -831,7 +831,7 @@
             <a:fld id="{78C97017-6FC3-485B-9764-EAC9E56C1D49}" type="datetimeFigureOut">
               <a:rPr lang="en-US" smtClean="0"/>
               <a:pPr/>
-              <a:t>10/30/2017</a:t>
+              <a:t>11/5/2017</a:t>
             </a:fld>
             <a:endParaRPr lang="en-US"/>
           </a:p>
@@ -883,7 +883,7 @@
     </p:spTree>
     <p:extLst>
       <p:ext uri="{BB962C8B-B14F-4D97-AF65-F5344CB8AC3E}">
-        <p14:creationId xmlns="" xmlns:p14="http://schemas.microsoft.com/office/powerpoint/2010/main" val="2707025021"/>
+        <p14:creationId xmlns:p14="http://schemas.microsoft.com/office/powerpoint/2010/main" xmlns="" val="2707025021"/>
       </p:ext>
     </p:extLst>
   </p:cSld>
@@ -1011,7 +1011,7 @@
             <a:fld id="{78C97017-6FC3-485B-9764-EAC9E56C1D49}" type="datetimeFigureOut">
               <a:rPr lang="en-US" smtClean="0"/>
               <a:pPr/>
-              <a:t>10/30/2017</a:t>
+              <a:t>11/5/2017</a:t>
             </a:fld>
             <a:endParaRPr lang="en-US"/>
           </a:p>
@@ -1063,7 +1063,7 @@
     </p:spTree>
     <p:extLst>
       <p:ext uri="{BB962C8B-B14F-4D97-AF65-F5344CB8AC3E}">
-        <p14:creationId xmlns="" xmlns:p14="http://schemas.microsoft.com/office/powerpoint/2010/main" val="568378986"/>
+        <p14:creationId xmlns:p14="http://schemas.microsoft.com/office/powerpoint/2010/main" xmlns="" val="568378986"/>
       </p:ext>
     </p:extLst>
   </p:cSld>
@@ -1181,7 +1181,7 @@
             <a:fld id="{78C97017-6FC3-485B-9764-EAC9E56C1D49}" type="datetimeFigureOut">
               <a:rPr lang="en-US" smtClean="0"/>
               <a:pPr/>
-              <a:t>10/30/2017</a:t>
+              <a:t>11/5/2017</a:t>
             </a:fld>
             <a:endParaRPr lang="en-US"/>
           </a:p>
@@ -1233,7 +1233,7 @@
     </p:spTree>
     <p:extLst>
       <p:ext uri="{BB962C8B-B14F-4D97-AF65-F5344CB8AC3E}">
-        <p14:creationId xmlns="" xmlns:p14="http://schemas.microsoft.com/office/powerpoint/2010/main" val="266658052"/>
+        <p14:creationId xmlns:p14="http://schemas.microsoft.com/office/powerpoint/2010/main" xmlns="" val="266658052"/>
       </p:ext>
     </p:extLst>
   </p:cSld>
@@ -1428,7 +1428,7 @@
             <a:fld id="{78C97017-6FC3-485B-9764-EAC9E56C1D49}" type="datetimeFigureOut">
               <a:rPr lang="en-US" smtClean="0"/>
               <a:pPr/>
-              <a:t>10/30/2017</a:t>
+              <a:t>11/5/2017</a:t>
             </a:fld>
             <a:endParaRPr lang="en-US"/>
           </a:p>
@@ -1480,7 +1480,7 @@
     </p:spTree>
     <p:extLst>
       <p:ext uri="{BB962C8B-B14F-4D97-AF65-F5344CB8AC3E}">
-        <p14:creationId xmlns="" xmlns:p14="http://schemas.microsoft.com/office/powerpoint/2010/main" val="474686344"/>
+        <p14:creationId xmlns:p14="http://schemas.microsoft.com/office/powerpoint/2010/main" xmlns="" val="474686344"/>
       </p:ext>
     </p:extLst>
   </p:cSld>
@@ -1715,7 +1715,7 @@
             <a:fld id="{78C97017-6FC3-485B-9764-EAC9E56C1D49}" type="datetimeFigureOut">
               <a:rPr lang="en-US" smtClean="0"/>
               <a:pPr/>
-              <a:t>10/30/2017</a:t>
+              <a:t>11/5/2017</a:t>
             </a:fld>
             <a:endParaRPr lang="en-US"/>
           </a:p>
@@ -1767,7 +1767,7 @@
     </p:spTree>
     <p:extLst>
       <p:ext uri="{BB962C8B-B14F-4D97-AF65-F5344CB8AC3E}">
-        <p14:creationId xmlns="" xmlns:p14="http://schemas.microsoft.com/office/powerpoint/2010/main" val="562293251"/>
+        <p14:creationId xmlns:p14="http://schemas.microsoft.com/office/powerpoint/2010/main" xmlns="" val="562293251"/>
       </p:ext>
     </p:extLst>
   </p:cSld>
@@ -2136,7 +2136,7 @@
             <a:fld id="{78C97017-6FC3-485B-9764-EAC9E56C1D49}" type="datetimeFigureOut">
               <a:rPr lang="en-US" smtClean="0"/>
               <a:pPr/>
-              <a:t>10/30/2017</a:t>
+              <a:t>11/5/2017</a:t>
             </a:fld>
             <a:endParaRPr lang="en-US"/>
           </a:p>
@@ -2188,7 +2188,7 @@
     </p:spTree>
     <p:extLst>
       <p:ext uri="{BB962C8B-B14F-4D97-AF65-F5344CB8AC3E}">
-        <p14:creationId xmlns="" xmlns:p14="http://schemas.microsoft.com/office/powerpoint/2010/main" val="1126424250"/>
+        <p14:creationId xmlns:p14="http://schemas.microsoft.com/office/powerpoint/2010/main" xmlns="" val="1126424250"/>
       </p:ext>
     </p:extLst>
   </p:cSld>
@@ -2255,7 +2255,7 @@
             <a:fld id="{78C97017-6FC3-485B-9764-EAC9E56C1D49}" type="datetimeFigureOut">
               <a:rPr lang="en-US" smtClean="0"/>
               <a:pPr/>
-              <a:t>10/30/2017</a:t>
+              <a:t>11/5/2017</a:t>
             </a:fld>
             <a:endParaRPr lang="en-US"/>
           </a:p>
@@ -2307,7 +2307,7 @@
     </p:spTree>
     <p:extLst>
       <p:ext uri="{BB962C8B-B14F-4D97-AF65-F5344CB8AC3E}">
-        <p14:creationId xmlns="" xmlns:p14="http://schemas.microsoft.com/office/powerpoint/2010/main" val="4159724230"/>
+        <p14:creationId xmlns:p14="http://schemas.microsoft.com/office/powerpoint/2010/main" xmlns="" val="4159724230"/>
       </p:ext>
     </p:extLst>
   </p:cSld>
@@ -2352,7 +2352,7 @@
             <a:fld id="{78C97017-6FC3-485B-9764-EAC9E56C1D49}" type="datetimeFigureOut">
               <a:rPr lang="en-US" smtClean="0"/>
               <a:pPr/>
-              <a:t>10/30/2017</a:t>
+              <a:t>11/5/2017</a:t>
             </a:fld>
             <a:endParaRPr lang="en-US"/>
           </a:p>
@@ -2404,7 +2404,7 @@
     </p:spTree>
     <p:extLst>
       <p:ext uri="{BB962C8B-B14F-4D97-AF65-F5344CB8AC3E}">
-        <p14:creationId xmlns="" xmlns:p14="http://schemas.microsoft.com/office/powerpoint/2010/main" val="1793928710"/>
+        <p14:creationId xmlns:p14="http://schemas.microsoft.com/office/powerpoint/2010/main" xmlns="" val="1793928710"/>
       </p:ext>
     </p:extLst>
   </p:cSld>
@@ -2629,7 +2629,7 @@
             <a:fld id="{78C97017-6FC3-485B-9764-EAC9E56C1D49}" type="datetimeFigureOut">
               <a:rPr lang="en-US" smtClean="0"/>
               <a:pPr/>
-              <a:t>10/30/2017</a:t>
+              <a:t>11/5/2017</a:t>
             </a:fld>
             <a:endParaRPr lang="en-US"/>
           </a:p>
@@ -2681,7 +2681,7 @@
     </p:spTree>
     <p:extLst>
       <p:ext uri="{BB962C8B-B14F-4D97-AF65-F5344CB8AC3E}">
-        <p14:creationId xmlns="" xmlns:p14="http://schemas.microsoft.com/office/powerpoint/2010/main" val="2076802089"/>
+        <p14:creationId xmlns:p14="http://schemas.microsoft.com/office/powerpoint/2010/main" xmlns="" val="2076802089"/>
       </p:ext>
     </p:extLst>
   </p:cSld>
@@ -2883,7 +2883,7 @@
             <a:fld id="{78C97017-6FC3-485B-9764-EAC9E56C1D49}" type="datetimeFigureOut">
               <a:rPr lang="en-US" smtClean="0"/>
               <a:pPr/>
-              <a:t>10/30/2017</a:t>
+              <a:t>11/5/2017</a:t>
             </a:fld>
             <a:endParaRPr lang="en-US"/>
           </a:p>
@@ -2935,7 +2935,7 @@
     </p:spTree>
     <p:extLst>
       <p:ext uri="{BB962C8B-B14F-4D97-AF65-F5344CB8AC3E}">
-        <p14:creationId xmlns="" xmlns:p14="http://schemas.microsoft.com/office/powerpoint/2010/main" val="201835938"/>
+        <p14:creationId xmlns:p14="http://schemas.microsoft.com/office/powerpoint/2010/main" xmlns="" val="201835938"/>
       </p:ext>
     </p:extLst>
   </p:cSld>
@@ -3096,7 +3096,7 @@
             <a:fld id="{78C97017-6FC3-485B-9764-EAC9E56C1D49}" type="datetimeFigureOut">
               <a:rPr lang="en-US" smtClean="0"/>
               <a:pPr/>
-              <a:t>10/30/2017</a:t>
+              <a:t>11/5/2017</a:t>
             </a:fld>
             <a:endParaRPr lang="en-US"/>
           </a:p>
@@ -3184,7 +3184,7 @@
     </p:spTree>
     <p:extLst>
       <p:ext uri="{BB962C8B-B14F-4D97-AF65-F5344CB8AC3E}">
-        <p14:creationId xmlns="" xmlns:p14="http://schemas.microsoft.com/office/powerpoint/2010/main" val="2341400630"/>
+        <p14:creationId xmlns:p14="http://schemas.microsoft.com/office/powerpoint/2010/main" xmlns="" val="2341400630"/>
       </p:ext>
     </p:extLst>
   </p:cSld>
@@ -3986,8 +3986,21 @@
                   <a:srgbClr val="0070C0"/>
                 </a:solidFill>
               </a:rPr>
-              <a:t>execute(“location INDEX”)</a:t>
-            </a:r>
+              <a:t>execute</a:t>
+            </a:r>
+            <a:r>
+              <a:rPr lang="en-US" sz="1700" dirty="0" smtClean="0">
+                <a:solidFill>
+                  <a:srgbClr val="0070C0"/>
+                </a:solidFill>
+              </a:rPr>
+              <a:t>(“map INDEXES”)</a:t>
+            </a:r>
+            <a:endParaRPr lang="en-US" sz="1700" dirty="0">
+              <a:solidFill>
+                <a:srgbClr val="0070C0"/>
+              </a:solidFill>
+            </a:endParaRPr>
           </a:p>
         </p:txBody>
       </p:sp>
@@ -4308,9 +4321,10 @@
               <a:t>parseCommand</a:t>
             </a:r>
             <a:r>
-              <a:rPr lang="en-US" sz="1700" dirty="0"/>
-              <a:t>(“location INDEX”)</a:t>
-            </a:r>
+              <a:rPr lang="en-US" sz="1700" dirty="0" smtClean="0"/>
+              <a:t>(“map INDEXES”)</a:t>
+            </a:r>
+            <a:endParaRPr lang="en-US" sz="1700" dirty="0"/>
           </a:p>
         </p:txBody>
       </p:sp>
@@ -4628,7 +4642,7 @@
           <p:cNvPr id="66" name="Straight Arrow Connector 65">
             <a:extLst>
               <a:ext uri="{FF2B5EF4-FFF2-40B4-BE49-F238E27FC236}">
-                <a16:creationId xmlns="" xmlns:a16="http://schemas.microsoft.com/office/drawing/2014/main" id="{39916E2E-195A-4DC8-B025-B05FA87E6796}"/>
+                <a16:creationId xmlns:a16="http://schemas.microsoft.com/office/drawing/2014/main" xmlns="" id="{39916E2E-195A-4DC8-B025-B05FA87E6796}"/>
               </a:ext>
             </a:extLst>
           </p:cNvPr>
@@ -4672,7 +4686,7 @@
           <p:cNvPr id="67" name="Straight Arrow Connector 66">
             <a:extLst>
               <a:ext uri="{FF2B5EF4-FFF2-40B4-BE49-F238E27FC236}">
-                <a16:creationId xmlns="" xmlns:a16="http://schemas.microsoft.com/office/drawing/2014/main" id="{D881596E-177C-4FDC-8E60-CAB90B3D5FAB}"/>
+                <a16:creationId xmlns:a16="http://schemas.microsoft.com/office/drawing/2014/main" xmlns="" id="{D881596E-177C-4FDC-8E60-CAB90B3D5FAB}"/>
               </a:ext>
             </a:extLst>
           </p:cNvPr>
@@ -4716,7 +4730,7 @@
           <p:cNvPr id="74" name="Straight Arrow Connector 73">
             <a:extLst>
               <a:ext uri="{FF2B5EF4-FFF2-40B4-BE49-F238E27FC236}">
-                <a16:creationId xmlns="" xmlns:a16="http://schemas.microsoft.com/office/drawing/2014/main" id="{854D9FBB-2B36-4DC9-8B58-F7F177A8E586}"/>
+                <a16:creationId xmlns:a16="http://schemas.microsoft.com/office/drawing/2014/main" xmlns="" id="{854D9FBB-2B36-4DC9-8B58-F7F177A8E586}"/>
               </a:ext>
             </a:extLst>
           </p:cNvPr>
@@ -4759,7 +4773,7 @@
           <p:cNvPr id="89" name="Straight Connector 88">
             <a:extLst>
               <a:ext uri="{FF2B5EF4-FFF2-40B4-BE49-F238E27FC236}">
-                <a16:creationId xmlns="" xmlns:a16="http://schemas.microsoft.com/office/drawing/2014/main" id="{E4E1C8CA-49DF-45D8-80A5-D5C8282EE927}"/>
+                <a16:creationId xmlns:a16="http://schemas.microsoft.com/office/drawing/2014/main" xmlns="" id="{E4E1C8CA-49DF-45D8-80A5-D5C8282EE927}"/>
               </a:ext>
             </a:extLst>
           </p:cNvPr>
@@ -4939,7 +4953,7 @@
           <p:cNvPr id="55" name="Straight Arrow Connector 54">
             <a:extLst>
               <a:ext uri="{FF2B5EF4-FFF2-40B4-BE49-F238E27FC236}">
-                <a16:creationId xmlns="" xmlns:a16="http://schemas.microsoft.com/office/drawing/2014/main" id="{854D9FBB-2B36-4DC9-8B58-F7F177A8E586}"/>
+                <a16:creationId xmlns:a16="http://schemas.microsoft.com/office/drawing/2014/main" xmlns="" id="{854D9FBB-2B36-4DC9-8B58-F7F177A8E586}"/>
               </a:ext>
             </a:extLst>
           </p:cNvPr>
@@ -5376,15 +5390,7 @@
                   <a:srgbClr val="7030A0"/>
                 </a:solidFill>
               </a:rPr>
-              <a:t>(p</a:t>
-            </a:r>
-            <a:r>
-              <a:rPr lang="en-US" sz="1700" dirty="0" smtClean="0">
-                <a:solidFill>
-                  <a:srgbClr val="7030A0"/>
-                </a:solidFill>
-              </a:rPr>
-              <a:t>)</a:t>
+              <a:t>(p)</a:t>
             </a:r>
             <a:endParaRPr lang="en-US" sz="1700" dirty="0">
               <a:solidFill>
@@ -5397,7 +5403,7 @@
     </p:spTree>
     <p:extLst>
       <p:ext uri="{BB962C8B-B14F-4D97-AF65-F5344CB8AC3E}">
-        <p14:creationId xmlns="" xmlns:p14="http://schemas.microsoft.com/office/powerpoint/2010/main" val="3945898909"/>
+        <p14:creationId xmlns:p14="http://schemas.microsoft.com/office/powerpoint/2010/main" xmlns="" val="3945898909"/>
       </p:ext>
     </p:extLst>
   </p:cSld>
